--- a/posters/2011_dcc/bartlett_nicholas_dcc_poster.pptx
+++ b/posters/2011_dcc/bartlett_nicholas_dcc_poster.pptx
@@ -4003,7 +4003,7 @@
               </a:stretch>
             </p:blipFill>
           </mc:Choice>
-          <mc:Fallback xmlns:p="http://schemas.openxmlformats.org/presentationml/2006/main" xmlns:mv="urn:schemas-microsoft-com:mac:vml" xmlns:mc="http://schemas.openxmlformats.org/markup-compatibility/2006" xmlns:r="http://schemas.openxmlformats.org/officeDocument/2006/relationships" xmlns:a="http://schemas.openxmlformats.org/drawingml/2006/main" xmlns="">
+          <mc:Fallback xmlns:ma="http://schemas.microsoft.com/office/mac/drawingml/2008/main" xmlns="" xmlns:a="http://schemas.openxmlformats.org/drawingml/2006/main" xmlns:r="http://schemas.openxmlformats.org/officeDocument/2006/relationships" xmlns:mc="http://schemas.openxmlformats.org/markup-compatibility/2006" xmlns:mv="urn:schemas-microsoft-com:mac:vml" xmlns:p="http://schemas.openxmlformats.org/presentationml/2006/main">
             <p:blipFill>
               <a:blip r:embed="rId4"/>
               <a:stretch>
@@ -4039,7 +4039,7 @@
               </a:stretch>
             </p:blipFill>
           </mc:Choice>
-          <mc:Fallback xmlns:p="http://schemas.openxmlformats.org/presentationml/2006/main" xmlns:mv="urn:schemas-microsoft-com:mac:vml" xmlns:mc="http://schemas.openxmlformats.org/markup-compatibility/2006" xmlns:r="http://schemas.openxmlformats.org/officeDocument/2006/relationships" xmlns:a="http://schemas.openxmlformats.org/drawingml/2006/main" xmlns="">
+          <mc:Fallback xmlns:ma="http://schemas.microsoft.com/office/mac/drawingml/2008/main" xmlns="" xmlns:a="http://schemas.openxmlformats.org/drawingml/2006/main" xmlns:r="http://schemas.openxmlformats.org/officeDocument/2006/relationships" xmlns:mc="http://schemas.openxmlformats.org/markup-compatibility/2006" xmlns:mv="urn:schemas-microsoft-com:mac:vml" xmlns:p="http://schemas.openxmlformats.org/presentationml/2006/main">
             <p:blipFill>
               <a:blip r:embed="rId6"/>
               <a:stretch>
@@ -4075,7 +4075,7 @@
               </a:stretch>
             </p:blipFill>
           </mc:Choice>
-          <mc:Fallback xmlns:p="http://schemas.openxmlformats.org/presentationml/2006/main" xmlns:mv="urn:schemas-microsoft-com:mac:vml" xmlns:mc="http://schemas.openxmlformats.org/markup-compatibility/2006" xmlns:r="http://schemas.openxmlformats.org/officeDocument/2006/relationships" xmlns:a="http://schemas.openxmlformats.org/drawingml/2006/main" xmlns="">
+          <mc:Fallback xmlns:ma="http://schemas.microsoft.com/office/mac/drawingml/2008/main" xmlns="" xmlns:a="http://schemas.openxmlformats.org/drawingml/2006/main" xmlns:r="http://schemas.openxmlformats.org/officeDocument/2006/relationships" xmlns:mc="http://schemas.openxmlformats.org/markup-compatibility/2006" xmlns:mv="urn:schemas-microsoft-com:mac:vml" xmlns:p="http://schemas.openxmlformats.org/presentationml/2006/main">
             <p:blipFill>
               <a:blip r:embed="rId8"/>
               <a:stretch>
@@ -4111,7 +4111,7 @@
               </a:stretch>
             </p:blipFill>
           </mc:Choice>
-          <mc:Fallback xmlns:p="http://schemas.openxmlformats.org/presentationml/2006/main" xmlns:mv="urn:schemas-microsoft-com:mac:vml" xmlns:mc="http://schemas.openxmlformats.org/markup-compatibility/2006" xmlns:r="http://schemas.openxmlformats.org/officeDocument/2006/relationships" xmlns:a="http://schemas.openxmlformats.org/drawingml/2006/main" xmlns="">
+          <mc:Fallback xmlns:ma="http://schemas.microsoft.com/office/mac/drawingml/2008/main" xmlns="" xmlns:a="http://schemas.openxmlformats.org/drawingml/2006/main" xmlns:r="http://schemas.openxmlformats.org/officeDocument/2006/relationships" xmlns:mc="http://schemas.openxmlformats.org/markup-compatibility/2006" xmlns:mv="urn:schemas-microsoft-com:mac:vml" xmlns:p="http://schemas.openxmlformats.org/presentationml/2006/main">
             <p:blipFill>
               <a:blip r:embed="rId10"/>
               <a:stretch>
@@ -4154,15 +4154,7 @@
           <a:p>
             <a:r>
               <a:rPr lang="en-US" sz="3000" dirty="0" smtClean="0"/>
-              <a:t>An arithmetic encoder uses of the output from a predictive model to create a 1-1 correspondence between input streams and sub-intervals of the unit interval [0,1).  The input is then encoded by sending the sub-interval to which </a:t>
-            </a:r>
-            <a:r>
-              <a:rPr lang="en-US" sz="3000" dirty="0" smtClean="0"/>
-              <a:t>it </a:t>
-            </a:r>
-            <a:r>
-              <a:rPr lang="en-US" sz="3000" dirty="0" smtClean="0"/>
-              <a:t>corresponds.  Input streams which are likely under the predictive model correspond to larger sub-intervals and thus require fewer bits to encode.</a:t>
+              <a:t>An arithmetic encoder uses of the output from a predictive model to create a 1-1 correspondence between input streams and sub-intervals of the unit interval [0,1).  The input is then encoded by sending the sub-interval to which it corresponds.  Input streams which are likely under the predictive model correspond to larger sub-intervals and thus require fewer bits to encode.</a:t>
             </a:r>
           </a:p>
           <a:p>
@@ -4207,21 +4199,8 @@
                   <a:srgbClr val="FFFF00"/>
                 </a:solidFill>
               </a:rPr>
-              <a:t>Arithmetic Encoding </a:t>
-            </a:r>
-            <a:r>
-              <a:rPr lang="en-US" sz="4000" b="1" dirty="0" smtClean="0">
-                <a:solidFill>
-                  <a:srgbClr val="FFFF00"/>
-                </a:solidFill>
-              </a:rPr>
-              <a:t>[6]</a:t>
-            </a:r>
-            <a:endParaRPr lang="en-US" sz="4000" b="1" dirty="0" smtClean="0">
-              <a:solidFill>
-                <a:srgbClr val="FFFF00"/>
-              </a:solidFill>
-            </a:endParaRPr>
+              <a:t>Arithmetic Encoding [6]</a:t>
+            </a:r>
           </a:p>
           <a:p>
             <a:endParaRPr lang="en-US" sz="4000" b="1" dirty="0">
@@ -4249,7 +4228,7 @@
               </a:stretch>
             </p:blipFill>
           </mc:Choice>
-          <mc:Fallback xmlns:p="http://schemas.openxmlformats.org/presentationml/2006/main" xmlns:mv="urn:schemas-microsoft-com:mac:vml" xmlns:mc="http://schemas.openxmlformats.org/markup-compatibility/2006" xmlns:r="http://schemas.openxmlformats.org/officeDocument/2006/relationships" xmlns:a="http://schemas.openxmlformats.org/drawingml/2006/main" xmlns="">
+          <mc:Fallback xmlns:ma="http://schemas.microsoft.com/office/mac/drawingml/2008/main" xmlns="" xmlns:a="http://schemas.openxmlformats.org/drawingml/2006/main" xmlns:r="http://schemas.openxmlformats.org/officeDocument/2006/relationships" xmlns:mc="http://schemas.openxmlformats.org/markup-compatibility/2006" xmlns:mv="urn:schemas-microsoft-com:mac:vml" xmlns:p="http://schemas.openxmlformats.org/presentationml/2006/main">
             <p:blipFill>
               <a:blip r:embed="rId12"/>
               <a:stretch>
@@ -4285,7 +4264,7 @@
               </a:stretch>
             </p:blipFill>
           </mc:Choice>
-          <mc:Fallback xmlns:p="http://schemas.openxmlformats.org/presentationml/2006/main" xmlns:mv="urn:schemas-microsoft-com:mac:vml" xmlns:mc="http://schemas.openxmlformats.org/markup-compatibility/2006" xmlns:r="http://schemas.openxmlformats.org/officeDocument/2006/relationships" xmlns:a="http://schemas.openxmlformats.org/drawingml/2006/main" xmlns="">
+          <mc:Fallback xmlns:ma="http://schemas.microsoft.com/office/mac/drawingml/2008/main" xmlns="" xmlns:a="http://schemas.openxmlformats.org/drawingml/2006/main" xmlns:r="http://schemas.openxmlformats.org/officeDocument/2006/relationships" xmlns:mc="http://schemas.openxmlformats.org/markup-compatibility/2006" xmlns:mv="urn:schemas-microsoft-com:mac:vml" xmlns:p="http://schemas.openxmlformats.org/presentationml/2006/main">
             <p:blipFill>
               <a:blip r:embed="rId14"/>
               <a:stretch>
@@ -4340,11 +4319,7 @@
             </a:r>
             <a:r>
               <a:rPr lang="en-US" sz="3000" dirty="0" smtClean="0"/>
-              <a:t>™ is </a:t>
-            </a:r>
-            <a:r>
-              <a:rPr lang="en-US" sz="3000" dirty="0" smtClean="0"/>
-              <a:t>an arithmetic compressor powered by a nonparametric Bayesian model called the sequence </a:t>
+              <a:t>™ is an arithmetic compressor powered by a nonparametric Bayesian model called the sequence </a:t>
             </a:r>
             <a:r>
               <a:rPr lang="en-US" sz="3000" dirty="0" err="1" smtClean="0"/>
@@ -4352,11 +4327,7 @@
             </a:r>
             <a:r>
               <a:rPr lang="en-US" sz="3000" dirty="0" smtClean="0"/>
-              <a:t>.  </a:t>
-            </a:r>
-            <a:r>
-              <a:rPr lang="en-US" sz="3000" dirty="0" smtClean="0"/>
-              <a:t>The performance of </a:t>
+              <a:t>.  The performance of </a:t>
             </a:r>
             <a:r>
               <a:rPr lang="en-US" sz="3000" dirty="0" err="1" smtClean="0"/>
@@ -4364,15 +4335,7 @@
             </a:r>
             <a:r>
               <a:rPr lang="en-US" sz="3000" dirty="0" smtClean="0"/>
-              <a:t>™ has been demonstrated on benchmark corpora, including the Calgary Corpus </a:t>
-            </a:r>
-            <a:r>
-              <a:rPr lang="en-US" sz="3000" dirty="0" smtClean="0"/>
-              <a:t>[2]</a:t>
-            </a:r>
-            <a:r>
-              <a:rPr lang="en-US" sz="3000" dirty="0" smtClean="0"/>
-              <a:t>.  The aggregate performance of </a:t>
+              <a:t>™ has been demonstrated on benchmark corpora, including the Calgary Corpus [2].  The aggregate performance of </a:t>
             </a:r>
             <a:r>
               <a:rPr lang="en-US" sz="3000" dirty="0" err="1" smtClean="0"/>
@@ -4380,23 +4343,7 @@
             </a:r>
             <a:r>
               <a:rPr lang="en-US" sz="3000" dirty="0" smtClean="0"/>
-              <a:t>™ is</a:t>
-            </a:r>
-            <a:r>
-              <a:rPr lang="en-US" sz="3000" dirty="0" smtClean="0"/>
-              <a:t> equal or better than </a:t>
-            </a:r>
-            <a:r>
-              <a:rPr lang="en-US" sz="3000" dirty="0" smtClean="0"/>
-              <a:t>that of comparable state of the art, general purpose, lossless compressors </a:t>
-            </a:r>
-            <a:r>
-              <a:rPr lang="en-US" sz="3000" dirty="0" smtClean="0"/>
-              <a:t>[4]</a:t>
-            </a:r>
-            <a:r>
-              <a:rPr lang="en-US" sz="3000" dirty="0" smtClean="0"/>
-              <a:t>.  The spatial complexity of the sequence </a:t>
+              <a:t>™ is equal or better than that of comparable state of the art, general purpose, lossless compressors [4].  The spatial complexity of the sequence </a:t>
             </a:r>
             <a:r>
               <a:rPr lang="en-US" sz="3000" dirty="0" err="1" smtClean="0"/>
@@ -4429,23 +4376,7 @@
             </a:r>
             <a:r>
               <a:rPr lang="en-US" sz="3000" dirty="0" smtClean="0"/>
-              <a:t>™ on the Calgary Corpus is compared to PPM </a:t>
-            </a:r>
-            <a:r>
-              <a:rPr lang="en-US" sz="3000" dirty="0" smtClean="0"/>
-              <a:t>[3] </a:t>
-            </a:r>
-            <a:r>
-              <a:rPr lang="en-US" sz="3000" dirty="0" smtClean="0"/>
-              <a:t>and CTW </a:t>
-            </a:r>
-            <a:r>
-              <a:rPr lang="en-US" sz="3000" dirty="0" smtClean="0"/>
-              <a:t>[10]</a:t>
-            </a:r>
-            <a:r>
-              <a:rPr lang="en-US" sz="3000" dirty="0" smtClean="0"/>
-              <a:t>.  Performance is measured in average bits per byte (lower is better).  Bold text indicates best performance.</a:t>
+              <a:t>™ on the Calgary Corpus is compared to PPM [3] and CTW [10].  Performance is measured in average bits per byte (lower is better).  Bold text indicates best performance.</a:t>
             </a:r>
             <a:endParaRPr lang="en-US" sz="3000" dirty="0"/>
           </a:p>
@@ -4505,23 +4436,7 @@
                   <a:srgbClr val="FFFF00"/>
                 </a:solidFill>
               </a:rPr>
-              <a:t>™ </a:t>
-            </a:r>
-            <a:r>
-              <a:rPr lang="en-US" sz="4000" b="1" dirty="0" smtClean="0">
-                <a:solidFill>
-                  <a:srgbClr val="FFFF00"/>
-                </a:solidFill>
-              </a:rPr>
-              <a:t>[4] </a:t>
-            </a:r>
-            <a:r>
-              <a:rPr lang="en-US" sz="4000" b="1" dirty="0" smtClean="0">
-                <a:solidFill>
-                  <a:srgbClr val="FFFF00"/>
-                </a:solidFill>
-              </a:rPr>
-              <a:t>and the Sequence </a:t>
+              <a:t>™ [4] and the Sequence </a:t>
             </a:r>
             <a:r>
               <a:rPr lang="en-US" sz="4000" b="1" dirty="0" err="1" smtClean="0">
@@ -4537,15 +4452,7 @@
                   <a:srgbClr val="FFFF00"/>
                 </a:solidFill>
               </a:rPr>
-              <a:t> </a:t>
-            </a:r>
-            <a:r>
-              <a:rPr lang="en-US" sz="4000" b="1" dirty="0" smtClean="0">
-                <a:solidFill>
-                  <a:srgbClr val="FFFF00"/>
-                </a:solidFill>
-              </a:rPr>
-              <a:t>[11]</a:t>
+              <a:t> [11]</a:t>
             </a:r>
             <a:endParaRPr lang="en-US" sz="4000" b="1" dirty="0">
               <a:solidFill>
@@ -4636,19 +4543,7 @@
             </a:r>
             <a:r>
               <a:rPr lang="en-US" sz="3000" dirty="0" smtClean="0"/>
-              <a:t>™ compressor </a:t>
-            </a:r>
-            <a:r>
-              <a:rPr lang="en-US" sz="3000" dirty="0" smtClean="0"/>
-              <a:t>it is necessary to approximate the model using a data structure which does not grow with the length of the input sequence.  Forgetting (pruning) of the suffix tree is used to achieve this and was demonstrated to have excellent empirical performance </a:t>
-            </a:r>
-            <a:r>
-              <a:rPr lang="en-US" sz="3000" dirty="0" smtClean="0"/>
-              <a:t>[1]</a:t>
-            </a:r>
-            <a:r>
-              <a:rPr lang="en-US" sz="3000" dirty="0" smtClean="0"/>
-              <a:t>.  Results here are measured in bits per byte and shown versus an upper limit on the number of nodes in the suffix tree.  Comparisons are made to naïve and other simple strategies to obtain constant spatial complexity.</a:t>
+              <a:t>™ compressor it is necessary to approximate the model using a data structure which does not grow with the length of the input sequence.  Forgetting (pruning) of the suffix tree is used to achieve this and was demonstrated to have excellent empirical performance [1].  Results here are measured in bits per byte and shown versus an upper limit on the number of nodes in the suffix tree.  Comparisons are made to naïve and other simple strategies to obtain constant spatial complexity.</a:t>
             </a:r>
             <a:endParaRPr lang="en-US" sz="3000" dirty="0"/>
           </a:p>
@@ -4694,15 +4589,7 @@
             </a:r>
             <a:r>
               <a:rPr lang="en-US" sz="3000" dirty="0" smtClean="0"/>
-              <a:t> .xml dump </a:t>
-            </a:r>
-            <a:r>
-              <a:rPr lang="en-US" sz="3000" dirty="0" smtClean="0"/>
-              <a:t>[9]</a:t>
-            </a:r>
-            <a:r>
-              <a:rPr lang="en-US" sz="3000" dirty="0" smtClean="0"/>
-              <a:t>.  For this result 10 100MB chunks of text were sampled with replacement and compressed using models limited to depths varying from 2 to 32.  Performance is shown in bits per byte and each group contains results for models with a different upper limit on the node count of the data structure.  As expected, larger models generally perform better.  Using a larger depth appears advantageous up to ≈ 16.</a:t>
+              <a:t> .xml dump [9].  For this result 10 100MB chunks of text were sampled with replacement and compressed using models limited to depths varying from 2 to 32.  Performance is shown in bits per byte and each group contains results for models with a different upper limit on the node count of the data structure.  As expected, larger models generally perform better.  Using a larger depth appears advantageous up to ≈ 16.</a:t>
             </a:r>
           </a:p>
         </p:txBody>
@@ -4724,7 +4611,7 @@
               </a:stretch>
             </p:blipFill>
           </mc:Choice>
-          <mc:Fallback xmlns:p="http://schemas.openxmlformats.org/presentationml/2006/main" xmlns:mv="urn:schemas-microsoft-com:mac:vml" xmlns:mc="http://schemas.openxmlformats.org/markup-compatibility/2006" xmlns:r="http://schemas.openxmlformats.org/officeDocument/2006/relationships" xmlns:a="http://schemas.openxmlformats.org/drawingml/2006/main" xmlns="">
+          <mc:Fallback xmlns:ma="http://schemas.microsoft.com/office/mac/drawingml/2008/main" xmlns="" xmlns:a="http://schemas.openxmlformats.org/drawingml/2006/main" xmlns:r="http://schemas.openxmlformats.org/officeDocument/2006/relationships" xmlns:mc="http://schemas.openxmlformats.org/markup-compatibility/2006" xmlns:mv="urn:schemas-microsoft-com:mac:vml" xmlns:p="http://schemas.openxmlformats.org/presentationml/2006/main">
             <p:blipFill>
               <a:blip r:embed="rId16"/>
               <a:stretch>
@@ -4783,15 +4670,7 @@
             </a:r>
             <a:r>
               <a:rPr lang="en-US" sz="3000" dirty="0" smtClean="0"/>
-              <a:t> .xml dump.  For this result stream lengths ranging from 10^3 to 10^9 bytes were compressed using models of varying size.  </a:t>
-            </a:r>
-            <a:r>
-              <a:rPr lang="en-US" sz="3000" dirty="0" smtClean="0"/>
-              <a:t>Performance </a:t>
-            </a:r>
-            <a:r>
-              <a:rPr lang="en-US" sz="3000" dirty="0" smtClean="0"/>
-              <a:t>is again measured in bits per byte.  The performance clearly improves as the length of the sequence increases.  </a:t>
+              <a:t> .xml dump.  For this result stream lengths ranging from 10^3 to 10^9 bytes were compressed using models of varying size.  Performance is again measured in bits per byte.  The performance clearly improves as the length of the sequence increases.  </a:t>
             </a:r>
             <a:endParaRPr lang="en-US" sz="3000" dirty="0"/>
           </a:p>
@@ -4959,13 +4838,8 @@
             </a:r>
             <a:r>
               <a:rPr lang="en-US" sz="3000" dirty="0" smtClean="0"/>
-              <a:t> two parameter sampling </a:t>
-            </a:r>
-            <a:r>
-              <a:rPr lang="en-US" sz="3000" dirty="0" smtClean="0"/>
-              <a:t>distribution. </a:t>
-            </a:r>
-            <a:endParaRPr lang="en-US" sz="3000" dirty="0" smtClean="0"/>
+              <a:t> two parameter sampling distribution. </a:t>
+            </a:r>
           </a:p>
           <a:p>
             <a:pPr marL="514350" indent="-514350">
@@ -5030,15 +4904,7 @@
                   <a:srgbClr val="FFFF00"/>
                 </a:solidFill>
               </a:rPr>
-              <a:t> Process (PYP) </a:t>
-            </a:r>
-            <a:r>
-              <a:rPr lang="en-US" sz="4000" b="1" dirty="0" smtClean="0">
-                <a:solidFill>
-                  <a:srgbClr val="FFFF00"/>
-                </a:solidFill>
-              </a:rPr>
-              <a:t>[7]</a:t>
+              <a:t> Process (PYP) [7]</a:t>
             </a:r>
             <a:endParaRPr lang="en-US" sz="4000" b="1" dirty="0">
               <a:solidFill>
@@ -5068,7 +4934,7 @@
               </a:stretch>
             </p:blipFill>
           </mc:Choice>
-          <mc:Fallback xmlns:p="http://schemas.openxmlformats.org/presentationml/2006/main" xmlns:mv="urn:schemas-microsoft-com:mac:vml" xmlns:mc="http://schemas.openxmlformats.org/markup-compatibility/2006" xmlns:r="http://schemas.openxmlformats.org/officeDocument/2006/relationships" xmlns:a="http://schemas.openxmlformats.org/drawingml/2006/main" xmlns="">
+          <mc:Fallback xmlns:ma="http://schemas.microsoft.com/office/mac/drawingml/2008/main" xmlns="" xmlns:a="http://schemas.openxmlformats.org/drawingml/2006/main" xmlns:r="http://schemas.openxmlformats.org/officeDocument/2006/relationships" xmlns:mc="http://schemas.openxmlformats.org/markup-compatibility/2006" xmlns:mv="urn:schemas-microsoft-com:mac:vml" xmlns:p="http://schemas.openxmlformats.org/presentationml/2006/main">
             <p:blipFill>
               <a:blip r:embed="rId18">
                 <a:lum/>
@@ -5142,15 +5008,7 @@
                   <a:srgbClr val="FFFF00"/>
                 </a:solidFill>
               </a:rPr>
-              <a:t> Processes (HPYP) </a:t>
-            </a:r>
-            <a:r>
-              <a:rPr lang="en-US" sz="4000" b="1" dirty="0" smtClean="0">
-                <a:solidFill>
-                  <a:srgbClr val="FFFF00"/>
-                </a:solidFill>
-              </a:rPr>
-              <a:t>[8]</a:t>
+              <a:t> Processes (HPYP) [8]</a:t>
             </a:r>
             <a:endParaRPr lang="en-US" sz="4000" b="1" dirty="0">
               <a:solidFill>
@@ -5227,8 +5085,8 @@
           </p:cNvPicPr>
           <p:nvPr/>
         </p:nvPicPr>
-        <mc:AlternateContent>
-          <mc:Choice xmlns:ma="http://schemas.microsoft.com/office/mac/drawingml/2008/main" Requires="ma">
+        <mc:AlternateContent xmlns:ma="http://schemas.microsoft.com/office/mac/drawingml/2008/main">
+          <mc:Choice Requires="ma">
             <p:blipFill>
               <a:blip r:embed="rId19"/>
               <a:srcRect l="1460" r="1460"/>
@@ -5237,7 +5095,7 @@
               </a:stretch>
             </p:blipFill>
           </mc:Choice>
-          <mc:Fallback>
+          <mc:Fallback xmlns:p="http://schemas.openxmlformats.org/presentationml/2006/main" xmlns:mv="urn:schemas-microsoft-com:mac:vml" xmlns:mc="http://schemas.openxmlformats.org/markup-compatibility/2006" xmlns:r="http://schemas.openxmlformats.org/officeDocument/2006/relationships" xmlns:a="http://schemas.openxmlformats.org/drawingml/2006/main" xmlns="">
             <p:blipFill>
               <a:blip r:embed="rId20"/>
               <a:srcRect l="1460" r="1460"/>
@@ -5914,15 +5772,7 @@
             </a:r>
             <a:r>
               <a:rPr sz="2000" dirty="0" smtClean="0"/>
-              <a:t>Bartlett</a:t>
-            </a:r>
-            <a:r>
-              <a:rPr sz="2000" dirty="0" smtClean="0"/>
-              <a:t>, N.; Pfau, D. &amp; Wood, F</a:t>
-            </a:r>
-            <a:r>
-              <a:rPr sz="2000" dirty="0" smtClean="0"/>
-              <a:t>.</a:t>
+              <a:t>Bartlett, N.; Pfau, D. &amp; Wood, F.</a:t>
             </a:r>
             <a:r>
               <a:rPr lang="en-US" sz="2000" dirty="0" smtClean="0"/>
@@ -5930,47 +5780,23 @@
             </a:r>
             <a:r>
               <a:rPr sz="2000" dirty="0" smtClean="0"/>
-              <a:t>Forgetting </a:t>
-            </a:r>
-            <a:r>
-              <a:rPr sz="2000" dirty="0" smtClean="0"/>
-              <a:t>Counts: Constant Memory Inference for a Dependent Hierarchical Pitman-Yor </a:t>
-            </a:r>
-            <a:r>
-              <a:rPr sz="2000" dirty="0" smtClean="0"/>
-              <a:t>Process</a:t>
+              <a:t>Forgetting Counts: Constant Memory Inference for a Dependent Hierarchical Pitman-Yor Process</a:t>
             </a:r>
             <a:r>
               <a:rPr lang="en-US" sz="2000" dirty="0" smtClean="0"/>
               <a:t>. </a:t>
             </a:r>
             <a:r>
-              <a:rPr sz="2000" i="1" dirty="0" smtClean="0"/>
-              <a:t>Proceedings </a:t>
-            </a:r>
-            <a:r>
-              <a:rPr sz="2000" i="1" dirty="0" smtClean="0"/>
-              <a:t>of the 27th International Conference on Machine </a:t>
-            </a:r>
-            <a:r>
-              <a:rPr sz="2000" i="1" dirty="0" smtClean="0"/>
-              <a:t>Learning</a:t>
-            </a:r>
-            <a:r>
-              <a:rPr lang="en-US" sz="2000" i="1" dirty="0" smtClean="0"/>
+              <a:rPr sz="2000" dirty="0" smtClean="0"/>
+              <a:t>Proceedings of the 27th International Conference on Machine Learning</a:t>
+            </a:r>
+            <a:r>
+              <a:rPr lang="en-US" sz="2000" dirty="0" smtClean="0"/>
               <a:t>, </a:t>
             </a:r>
             <a:r>
               <a:rPr sz="2000" dirty="0" smtClean="0"/>
-              <a:t>2010</a:t>
-            </a:r>
-            <a:r>
-              <a:rPr sz="2000" dirty="0" smtClean="0"/>
-              <a:t>, 63-</a:t>
-            </a:r>
-            <a:r>
-              <a:rPr sz="2000" dirty="0" smtClean="0"/>
-              <a:t>70</a:t>
+              <a:t>2010, 63-70</a:t>
             </a:r>
             <a:r>
               <a:rPr lang="en-US" sz="2000" dirty="0" smtClean="0"/>
@@ -5990,59 +5816,7 @@
             </a:pPr>
             <a:r>
               <a:rPr lang="en-US" sz="2000" dirty="0" smtClean="0"/>
-              <a:t>[</a:t>
-            </a:r>
-            <a:r>
-              <a:rPr lang="en-US" sz="2000" dirty="0" smtClean="0"/>
-              <a:t>2]  </a:t>
-            </a:r>
-            <a:r>
-              <a:rPr lang="en-US" sz="2000" dirty="0" smtClean="0"/>
-              <a:t>Bell</a:t>
-            </a:r>
-            <a:r>
-              <a:rPr lang="en-US" sz="2000" dirty="0" smtClean="0"/>
-              <a:t>, T., Witten, I.H., and Cleary, J.G. Modeling for </a:t>
-            </a:r>
-            <a:r>
-              <a:rPr lang="en-US" sz="2000" dirty="0" smtClean="0"/>
-              <a:t>text</a:t>
-            </a:r>
-            <a:r>
-              <a:rPr lang="en-US" sz="2000" dirty="0" smtClean="0"/>
-              <a:t> </a:t>
-            </a:r>
-            <a:r>
-              <a:rPr lang="en-US" sz="2000" dirty="0" smtClean="0"/>
-              <a:t>compression</a:t>
-            </a:r>
-            <a:r>
-              <a:rPr lang="en-US" sz="2000" dirty="0" smtClean="0"/>
-              <a:t>. ACM Computing Surveys (CSUR</a:t>
-            </a:r>
-            <a:r>
-              <a:rPr lang="en-US" sz="2000" dirty="0" smtClean="0"/>
-              <a:t>)</a:t>
-            </a:r>
-            <a:r>
-              <a:rPr lang="en-US" sz="2000" dirty="0" smtClean="0"/>
-              <a:t>,</a:t>
-            </a:r>
-            <a:r>
-              <a:rPr lang="en-US" sz="2000" dirty="0" smtClean="0"/>
-              <a:t> 1989</a:t>
-            </a:r>
-            <a:r>
-              <a:rPr lang="en-US" sz="2000" dirty="0" smtClean="0"/>
-              <a:t>, </a:t>
-            </a:r>
-            <a:r>
-              <a:rPr lang="en-US" sz="2000" dirty="0" smtClean="0"/>
-              <a:t>21(4) 557–</a:t>
-            </a:r>
-            <a:r>
-              <a:rPr lang="en-US" sz="2000" dirty="0" smtClean="0"/>
-              <a:t>591.</a:t>
+              <a:t>[2]  Bell, T., Witten, I.H., and Cleary, J.G. Modeling for text compression. ACM Computing Surveys (CSUR), 1989, 21(4) 557–591.</a:t>
             </a:r>
           </a:p>
           <a:p>
@@ -6053,11 +5827,7 @@
             </a:pPr>
             <a:r>
               <a:rPr lang="en-US" sz="2000" dirty="0" smtClean="0"/>
-              <a:t>[3]  Cleary</a:t>
-            </a:r>
-            <a:r>
-              <a:rPr lang="en-US" sz="2000" dirty="0" smtClean="0"/>
-              <a:t>, J. G. and </a:t>
+              <a:t>[3]  Cleary, J. G. and </a:t>
             </a:r>
             <a:r>
               <a:rPr lang="en-US" sz="2000" dirty="0" err="1" smtClean="0"/>
@@ -6065,23 +5835,7 @@
             </a:r>
             <a:r>
               <a:rPr lang="en-US" sz="2000" dirty="0" smtClean="0"/>
-              <a:t>, W. </a:t>
-            </a:r>
-            <a:r>
-              <a:rPr lang="en-US" sz="2000" dirty="0" smtClean="0"/>
-              <a:t>J. </a:t>
-            </a:r>
-            <a:r>
-              <a:rPr lang="en-US" sz="2000" dirty="0" smtClean="0"/>
-              <a:t>Unbounded length contexts for PPM. The </a:t>
-            </a:r>
-            <a:r>
-              <a:rPr lang="en-US" sz="2000" dirty="0" smtClean="0"/>
-              <a:t>Computer Journal, 1997, </a:t>
-            </a:r>
-            <a:r>
-              <a:rPr lang="en-US" sz="2000" dirty="0" smtClean="0"/>
-              <a:t>40:67–75.</a:t>
+              <a:t>, W. J. Unbounded length contexts for PPM. The Computer Journal, 1997, 40:67–75.</a:t>
             </a:r>
           </a:p>
           <a:p>
@@ -6104,11 +5858,7 @@
             </a:r>
             <a:r>
               <a:rPr sz="2000" dirty="0" smtClean="0"/>
-              <a:t>Gasthaus</a:t>
-            </a:r>
-            <a:r>
-              <a:rPr sz="2000" dirty="0" smtClean="0"/>
-              <a:t>, J.; Wood, F. </a:t>
+              <a:t>Gasthaus, J.; Wood, F. </a:t>
             </a:r>
             <a:r>
               <a:rPr lang="en-US" sz="2000" dirty="0" smtClean="0"/>
@@ -6120,11 +5870,7 @@
             </a:r>
             <a:r>
               <a:rPr lang="en-US" sz="2000" dirty="0" smtClean="0"/>
-              <a:t>. Data Compression Conference, 2010, 337-</a:t>
-            </a:r>
-            <a:r>
-              <a:rPr lang="en-US" sz="2000" dirty="0" smtClean="0"/>
-              <a:t>345.</a:t>
+              <a:t>. Data Compression Conference, 2010, 337-345.</a:t>
             </a:r>
           </a:p>
           <a:p>
@@ -6139,11 +5885,7 @@
             </a:r>
             <a:r>
               <a:rPr sz="2000" dirty="0" smtClean="0"/>
-              <a:t> </a:t>
-            </a:r>
-            <a:r>
-              <a:rPr sz="2000" dirty="0" smtClean="0"/>
-              <a:t>Gasthaus, J. </a:t>
+              <a:t> Gasthaus, J. </a:t>
             </a:r>
             <a:r>
               <a:rPr lang="en-US" sz="2000" dirty="0" smtClean="0"/>
@@ -6166,16 +5908,8 @@
               <a:t>. </a:t>
             </a:r>
             <a:r>
-              <a:rPr sz="2000" i="1" dirty="0" smtClean="0"/>
-              <a:t>Proceedings of Neural Information Processing Systems, </a:t>
-            </a:r>
-            <a:r>
               <a:rPr sz="2000" dirty="0" smtClean="0"/>
-              <a:t>2011, 685-</a:t>
-            </a:r>
-            <a:r>
-              <a:rPr sz="2000" dirty="0" smtClean="0"/>
-              <a:t>693</a:t>
+              <a:t>Proceedings of Neural Information Processing Systems, 2011, 685-693</a:t>
             </a:r>
             <a:r>
               <a:rPr lang="en-US" sz="2000" dirty="0" smtClean="0"/>
@@ -6195,11 +5929,7 @@
             </a:pPr>
             <a:r>
               <a:rPr lang="en-US" sz="2000" dirty="0" smtClean="0"/>
-              <a:t>[6]  MacKay</a:t>
-            </a:r>
-            <a:r>
-              <a:rPr lang="en-US" sz="2000" dirty="0" smtClean="0"/>
-              <a:t>, D. I</a:t>
+              <a:t>[6]  MacKay, D. I</a:t>
             </a:r>
             <a:r>
               <a:rPr sz="2000" dirty="0" smtClean="0"/>
@@ -6207,13 +5937,8 @@
             </a:r>
             <a:r>
               <a:rPr lang="en-US" sz="2000" dirty="0" smtClean="0"/>
-              <a:t>. Cambridge University Press, 2003.</a:t>
-            </a:r>
-            <a:r>
-              <a:rPr lang="en-US" sz="2000" dirty="0" smtClean="0"/>
-              <a:t> </a:t>
-            </a:r>
-            <a:endParaRPr lang="en-US" sz="2000" dirty="0" smtClean="0"/>
+              <a:t>. Cambridge University Press, 2003. </a:t>
+            </a:r>
           </a:p>
           <a:p>
             <a:pPr>
@@ -6223,19 +5948,7 @@
             </a:pPr>
             <a:r>
               <a:rPr lang="en-US" sz="2000" dirty="0" smtClean="0"/>
-              <a:t>[</a:t>
-            </a:r>
-            <a:r>
-              <a:rPr lang="en-US" sz="2000" dirty="0" smtClean="0"/>
-              <a:t>7</a:t>
-            </a:r>
-            <a:r>
-              <a:rPr lang="en-US" sz="2000" dirty="0" smtClean="0"/>
-              <a:t>]  Pitman</a:t>
-            </a:r>
-            <a:r>
-              <a:rPr lang="en-US" sz="2000" dirty="0" smtClean="0"/>
-              <a:t>, J. and </a:t>
+              <a:t>[7]  Pitman, J. and </a:t>
             </a:r>
             <a:r>
               <a:rPr lang="en-US" sz="2000" dirty="0" err="1" smtClean="0"/>
@@ -6243,11 +5956,7 @@
             </a:r>
             <a:r>
               <a:rPr lang="en-US" sz="2000" dirty="0" smtClean="0"/>
-              <a:t>, M. The two-parameter Poisson</a:t>
-            </a:r>
-            <a:r>
-              <a:rPr lang="en-US" sz="2000" dirty="0" smtClean="0"/>
-              <a:t>-</a:t>
+              <a:t>, M. The two-parameter Poisson-</a:t>
             </a:r>
             <a:r>
               <a:rPr lang="en-US" sz="2000" dirty="0" err="1" smtClean="0"/>
@@ -6255,43 +5964,7 @@
             </a:r>
             <a:r>
               <a:rPr lang="en-US" sz="2000" dirty="0" smtClean="0"/>
-              <a:t> </a:t>
-            </a:r>
-            <a:r>
-              <a:rPr lang="en-US" sz="2000" dirty="0" smtClean="0"/>
-              <a:t>distribution derived from a </a:t>
-            </a:r>
-            <a:r>
-              <a:rPr lang="en-US" sz="2000" dirty="0" smtClean="0"/>
-              <a:t>stable subordinator.</a:t>
-            </a:r>
-            <a:r>
-              <a:rPr lang="en-US" sz="2000" dirty="0" smtClean="0"/>
-              <a:t> </a:t>
-            </a:r>
-            <a:r>
-              <a:rPr lang="en-US" sz="2000" dirty="0" smtClean="0"/>
-              <a:t>Annals </a:t>
-            </a:r>
-            <a:r>
-              <a:rPr lang="en-US" sz="2000" dirty="0" smtClean="0"/>
-              <a:t>of Probability,</a:t>
-            </a:r>
-            <a:r>
-              <a:rPr lang="en-US" sz="2000" dirty="0" smtClean="0"/>
-              <a:t> </a:t>
-            </a:r>
-            <a:r>
-              <a:rPr lang="en-US" sz="2000" dirty="0" smtClean="0"/>
-              <a:t>1997, 25</a:t>
-            </a:r>
-            <a:r>
-              <a:rPr lang="en-US" sz="2000" dirty="0" smtClean="0"/>
-              <a:t>:855–</a:t>
-            </a:r>
-            <a:r>
-              <a:rPr lang="en-US" sz="2000" dirty="0" smtClean="0"/>
-              <a:t>900.</a:t>
+              <a:t> distribution derived from a stable subordinator. Annals of Probability, 1997, 25:855–900.</a:t>
             </a:r>
           </a:p>
           <a:p>
@@ -6302,15 +5975,7 @@
             </a:pPr>
             <a:r>
               <a:rPr lang="en-US" sz="2000" dirty="0" smtClean="0"/>
-              <a:t>[</a:t>
-            </a:r>
-            <a:r>
-              <a:rPr lang="en-US" sz="2000" dirty="0" smtClean="0"/>
-              <a:t>8</a:t>
-            </a:r>
-            <a:r>
-              <a:rPr lang="en-US" sz="2000" dirty="0" smtClean="0"/>
-              <a:t>]  </a:t>
+              <a:t>[8]  </a:t>
             </a:r>
             <a:r>
               <a:rPr lang="en-US" sz="2000" dirty="0" err="1" smtClean="0"/>
@@ -6326,11 +5991,7 @@
             </a:r>
             <a:r>
               <a:rPr lang="en-US" sz="2000" dirty="0" smtClean="0"/>
-              <a:t> </a:t>
-            </a:r>
-            <a:r>
-              <a:rPr lang="en-US" sz="2000" dirty="0" smtClean="0"/>
-              <a:t>Pitman-</a:t>
+              <a:t> Pitman-</a:t>
             </a:r>
             <a:r>
               <a:rPr lang="en-US" sz="2000" dirty="0" err="1" smtClean="0"/>
@@ -6338,35 +5999,7 @@
             </a:r>
             <a:r>
               <a:rPr lang="en-US" sz="2000" dirty="0" smtClean="0"/>
-              <a:t> processes. In Proceedings of </a:t>
-            </a:r>
-            <a:r>
-              <a:rPr lang="en-US" sz="2000" dirty="0" smtClean="0"/>
-              <a:t>the</a:t>
-            </a:r>
-            <a:r>
-              <a:rPr lang="en-US" sz="2000" dirty="0" smtClean="0"/>
-              <a:t> </a:t>
-            </a:r>
-            <a:r>
-              <a:rPr lang="en-US" sz="2000" dirty="0" smtClean="0"/>
-              <a:t>Association </a:t>
-            </a:r>
-            <a:r>
-              <a:rPr lang="en-US" sz="2000" dirty="0" smtClean="0"/>
-              <a:t>for Computational </a:t>
-            </a:r>
-            <a:r>
-              <a:rPr lang="en-US" sz="2000" dirty="0" smtClean="0"/>
-              <a:t>Linguistics ,2006, 985</a:t>
-            </a:r>
-            <a:r>
-              <a:rPr lang="en-US" sz="2000" dirty="0" smtClean="0"/>
-              <a:t>-</a:t>
-            </a:r>
-            <a:r>
-              <a:rPr lang="en-US" sz="2000" dirty="0" smtClean="0"/>
-              <a:t>992.</a:t>
+              <a:t> processes. In Proceedings of the Association for Computational Linguistics ,2006, 985-992.</a:t>
             </a:r>
           </a:p>
           <a:p>
@@ -6414,15 +6047,7 @@
             </a:r>
             <a:r>
               <a:rPr lang="en-US" sz="2000" dirty="0" smtClean="0"/>
-              <a:t>, F. M. J.</a:t>
-            </a:r>
-            <a:r>
-              <a:rPr lang="en-US" sz="2000" dirty="0" smtClean="0"/>
-              <a:t> , 2009. </a:t>
-            </a:r>
-            <a:r>
-              <a:rPr lang="en-US" sz="2000" dirty="0" smtClean="0"/>
-              <a:t>CTW website. URL: http://</a:t>
+              <a:t>, F. M. J. , 2009. CTW website. URL: http://</a:t>
             </a:r>
             <a:r>
               <a:rPr lang="en-US" sz="2000" dirty="0" err="1" smtClean="0"/>
@@ -6432,16 +6057,11 @@
               <a:rPr lang="en-US" sz="2000" dirty="0" smtClean="0"/>
               <a:t>/. </a:t>
             </a:r>
-            <a:endParaRPr lang="en-US" sz="2000" dirty="0" smtClean="0"/>
           </a:p>
           <a:p>
             <a:r>
               <a:rPr lang="en-US" sz="2000" dirty="0" smtClean="0"/>
-              <a:t>[11]  Wood</a:t>
-            </a:r>
-            <a:r>
-              <a:rPr lang="en-US" sz="2000" dirty="0" smtClean="0"/>
-              <a:t>, F., </a:t>
+              <a:t>[11]  Wood, F., </a:t>
             </a:r>
             <a:r>
               <a:rPr lang="en-US" sz="2000" dirty="0" err="1" smtClean="0"/>
@@ -6457,15 +6077,7 @@
             </a:r>
             <a:r>
               <a:rPr lang="en-US" sz="2000" dirty="0" smtClean="0"/>
-              <a:t>, J., James, L., </a:t>
-            </a:r>
-            <a:r>
-              <a:rPr lang="en-US" sz="2000" dirty="0" smtClean="0"/>
-              <a:t>and</a:t>
-            </a:r>
-            <a:r>
-              <a:rPr lang="en-US" sz="2000" dirty="0" smtClean="0"/>
-              <a:t> </a:t>
+              <a:t>, J., James, L., and </a:t>
             </a:r>
             <a:r>
               <a:rPr lang="en-US" sz="2000" dirty="0" err="1" smtClean="0"/>
@@ -6481,59 +6093,7 @@
             </a:r>
             <a:r>
               <a:rPr lang="en-US" sz="2000" dirty="0" smtClean="0"/>
-              <a:t> for sequence </a:t>
-            </a:r>
-            <a:r>
-              <a:rPr lang="en-US" sz="2000" dirty="0" smtClean="0"/>
-              <a:t>data</a:t>
-            </a:r>
-            <a:r>
-              <a:rPr lang="en-US" sz="2000" dirty="0" smtClean="0"/>
-              <a:t>. </a:t>
-            </a:r>
-            <a:r>
-              <a:rPr lang="en-US" sz="2000" dirty="0" smtClean="0"/>
-              <a:t>In</a:t>
-            </a:r>
-            <a:r>
-              <a:rPr lang="en-US" sz="2000" dirty="0" smtClean="0"/>
-              <a:t> </a:t>
-            </a:r>
-            <a:r>
-              <a:rPr lang="en-US" sz="2000" dirty="0" smtClean="0"/>
-              <a:t>Proceedings </a:t>
-            </a:r>
-            <a:r>
-              <a:rPr lang="en-US" sz="2000" dirty="0" smtClean="0"/>
-              <a:t>of the 26th International Conference </a:t>
-            </a:r>
-            <a:r>
-              <a:rPr lang="en-US" sz="2000" dirty="0" smtClean="0"/>
-              <a:t>on</a:t>
-            </a:r>
-            <a:r>
-              <a:rPr lang="en-US" sz="2000" dirty="0" smtClean="0"/>
-              <a:t> </a:t>
-            </a:r>
-            <a:r>
-              <a:rPr lang="en-US" sz="2000" dirty="0" smtClean="0"/>
-              <a:t>Machine </a:t>
-            </a:r>
-            <a:r>
-              <a:rPr lang="en-US" sz="2000" dirty="0" smtClean="0"/>
-              <a:t>Learning</a:t>
-            </a:r>
-            <a:r>
-              <a:rPr lang="en-US" sz="2000" dirty="0" smtClean="0"/>
-              <a:t>, </a:t>
-            </a:r>
-            <a:r>
-              <a:rPr lang="en-US" sz="2000" dirty="0" smtClean="0"/>
-              <a:t>2009, 1129-</a:t>
-            </a:r>
-            <a:r>
-              <a:rPr lang="en-US" sz="2000" dirty="0" smtClean="0"/>
-              <a:t>1136.</a:t>
+              <a:t> for sequence data. In Proceedings of the 26th International Conference on Machine Learning, 2009, 1129-1136.</a:t>
             </a:r>
           </a:p>
           <a:p>
@@ -6599,11 +6159,7 @@
             </a:r>
             <a:r>
               <a:rPr sz="2500" dirty="0" smtClean="0"/>
-              <a:t> </a:t>
-            </a:r>
-            <a:r>
-              <a:rPr sz="2500" dirty="0" smtClean="0"/>
-              <a:t>Gasthaus, J.; Wood, F. </a:t>
+              <a:t> Gasthaus, J.; Wood, F. </a:t>
             </a:r>
             <a:r>
               <a:rPr lang="en-US" sz="2500" dirty="0" smtClean="0"/>
@@ -6611,11 +6167,7 @@
             </a:r>
             <a:r>
               <a:rPr sz="2500" dirty="0" smtClean="0"/>
-              <a:t> Teh, Y. W</a:t>
-            </a:r>
-            <a:r>
-              <a:rPr sz="2500" dirty="0" smtClean="0"/>
-              <a:t>.</a:t>
+              <a:t> Teh, Y. W.</a:t>
             </a:r>
             <a:r>
               <a:rPr lang="en-US" sz="2500" dirty="0" smtClean="0"/>

--- a/posters/2011_dcc/bartlett_nicholas_dcc_poster.pptx
+++ b/posters/2011_dcc/bartlett_nicholas_dcc_poster.pptx
@@ -193,7 +193,7 @@
             <a:fld id="{53DCD723-E7D4-214E-8FB5-EA17146B5B6B}" type="datetimeFigureOut">
               <a:rPr lang="en-US" smtClean="0"/>
               <a:pPr/>
-              <a:t>3/27/11</a:t>
+              <a:t>3/28/11</a:t>
             </a:fld>
             <a:endParaRPr lang="en-US"/>
           </a:p>
@@ -723,7 +723,7 @@
             <a:fld id="{BB77E569-04F4-C74A-B81D-9D516A7CF018}" type="datetimeFigureOut">
               <a:rPr lang="en-US" smtClean="0"/>
               <a:pPr/>
-              <a:t>3/27/11</a:t>
+              <a:t>3/28/11</a:t>
             </a:fld>
             <a:endParaRPr lang="en-US"/>
           </a:p>
@@ -890,7 +890,7 @@
             <a:fld id="{BB77E569-04F4-C74A-B81D-9D516A7CF018}" type="datetimeFigureOut">
               <a:rPr lang="en-US" smtClean="0"/>
               <a:pPr/>
-              <a:t>3/27/11</a:t>
+              <a:t>3/28/11</a:t>
             </a:fld>
             <a:endParaRPr lang="en-US"/>
           </a:p>
@@ -1067,7 +1067,7 @@
             <a:fld id="{BB77E569-04F4-C74A-B81D-9D516A7CF018}" type="datetimeFigureOut">
               <a:rPr lang="en-US" smtClean="0"/>
               <a:pPr/>
-              <a:t>3/27/11</a:t>
+              <a:t>3/28/11</a:t>
             </a:fld>
             <a:endParaRPr lang="en-US"/>
           </a:p>
@@ -1234,7 +1234,7 @@
             <a:fld id="{BB77E569-04F4-C74A-B81D-9D516A7CF018}" type="datetimeFigureOut">
               <a:rPr lang="en-US" smtClean="0"/>
               <a:pPr/>
-              <a:t>3/27/11</a:t>
+              <a:t>3/28/11</a:t>
             </a:fld>
             <a:endParaRPr lang="en-US"/>
           </a:p>
@@ -1477,7 +1477,7 @@
             <a:fld id="{BB77E569-04F4-C74A-B81D-9D516A7CF018}" type="datetimeFigureOut">
               <a:rPr lang="en-US" smtClean="0"/>
               <a:pPr/>
-              <a:t>3/27/11</a:t>
+              <a:t>3/28/11</a:t>
             </a:fld>
             <a:endParaRPr lang="en-US"/>
           </a:p>
@@ -1762,7 +1762,7 @@
             <a:fld id="{BB77E569-04F4-C74A-B81D-9D516A7CF018}" type="datetimeFigureOut">
               <a:rPr lang="en-US" smtClean="0"/>
               <a:pPr/>
-              <a:t>3/27/11</a:t>
+              <a:t>3/28/11</a:t>
             </a:fld>
             <a:endParaRPr lang="en-US"/>
           </a:p>
@@ -2181,7 +2181,7 @@
             <a:fld id="{BB77E569-04F4-C74A-B81D-9D516A7CF018}" type="datetimeFigureOut">
               <a:rPr lang="en-US" smtClean="0"/>
               <a:pPr/>
-              <a:t>3/27/11</a:t>
+              <a:t>3/28/11</a:t>
             </a:fld>
             <a:endParaRPr lang="en-US"/>
           </a:p>
@@ -2296,7 +2296,7 @@
             <a:fld id="{BB77E569-04F4-C74A-B81D-9D516A7CF018}" type="datetimeFigureOut">
               <a:rPr lang="en-US" smtClean="0"/>
               <a:pPr/>
-              <a:t>3/27/11</a:t>
+              <a:t>3/28/11</a:t>
             </a:fld>
             <a:endParaRPr lang="en-US"/>
           </a:p>
@@ -2388,7 +2388,7 @@
             <a:fld id="{BB77E569-04F4-C74A-B81D-9D516A7CF018}" type="datetimeFigureOut">
               <a:rPr lang="en-US" smtClean="0"/>
               <a:pPr/>
-              <a:t>3/27/11</a:t>
+              <a:t>3/28/11</a:t>
             </a:fld>
             <a:endParaRPr lang="en-US"/>
           </a:p>
@@ -2662,7 +2662,7 @@
             <a:fld id="{BB77E569-04F4-C74A-B81D-9D516A7CF018}" type="datetimeFigureOut">
               <a:rPr lang="en-US" smtClean="0"/>
               <a:pPr/>
-              <a:t>3/27/11</a:t>
+              <a:t>3/28/11</a:t>
             </a:fld>
             <a:endParaRPr lang="en-US"/>
           </a:p>
@@ -2912,7 +2912,7 @@
             <a:fld id="{BB77E569-04F4-C74A-B81D-9D516A7CF018}" type="datetimeFigureOut">
               <a:rPr lang="en-US" smtClean="0"/>
               <a:pPr/>
-              <a:t>3/27/11</a:t>
+              <a:t>3/28/11</a:t>
             </a:fld>
             <a:endParaRPr lang="en-US"/>
           </a:p>
@@ -3122,7 +3122,7 @@
             <a:fld id="{BB77E569-04F4-C74A-B81D-9D516A7CF018}" type="datetimeFigureOut">
               <a:rPr lang="en-US" smtClean="0"/>
               <a:pPr/>
-              <a:t>3/27/11</a:t>
+              <a:t>3/28/11</a:t>
             </a:fld>
             <a:endParaRPr lang="en-US"/>
           </a:p>
@@ -3505,14 +3505,14 @@
       </p:grpSpPr>
       <p:sp>
         <p:nvSpPr>
-          <p:cNvPr id="59" name="Rectangle 58"/>
+          <p:cNvPr id="74" name="Rectangle 73"/>
           <p:cNvSpPr/>
           <p:nvPr/>
         </p:nvSpPr>
         <p:spPr>
           <a:xfrm>
-            <a:off x="10839450" y="25200114"/>
-            <a:ext cx="7581899" cy="5908960"/>
+            <a:off x="152400" y="27051000"/>
+            <a:ext cx="10744200" cy="4648200"/>
           </a:xfrm>
           <a:prstGeom prst="rect">
             <a:avLst/>
@@ -3520,11 +3520,6 @@
           <a:solidFill>
             <a:schemeClr val="bg1"/>
           </a:solidFill>
-          <a:ln>
-            <a:solidFill>
-              <a:schemeClr val="tx2"/>
-            </a:solidFill>
-          </a:ln>
         </p:spPr>
         <p:style>
           <a:lnRef idx="1">
@@ -3551,14 +3546,96 @@
       </p:sp>
       <p:sp>
         <p:nvSpPr>
+          <p:cNvPr id="72" name="Rectangle 71"/>
+          <p:cNvSpPr/>
+          <p:nvPr/>
+        </p:nvSpPr>
+        <p:spPr>
+          <a:xfrm>
+            <a:off x="11124184" y="27051000"/>
+            <a:ext cx="7278114" cy="4648200"/>
+          </a:xfrm>
+          <a:prstGeom prst="rect">
+            <a:avLst/>
+          </a:prstGeom>
+          <a:solidFill>
+            <a:schemeClr val="bg1"/>
+          </a:solidFill>
+        </p:spPr>
+        <p:style>
+          <a:lnRef idx="1">
+            <a:schemeClr val="accent1"/>
+          </a:lnRef>
+          <a:fillRef idx="3">
+            <a:schemeClr val="accent1"/>
+          </a:fillRef>
+          <a:effectRef idx="2">
+            <a:schemeClr val="accent1"/>
+          </a:effectRef>
+          <a:fontRef idx="minor">
+            <a:schemeClr val="lt1"/>
+          </a:fontRef>
+        </p:style>
+        <p:txBody>
+          <a:bodyPr rtlCol="0" anchor="ctr"/>
+          <a:lstStyle/>
+          <a:p>
+            <a:pPr algn="ctr"/>
+            <a:endParaRPr lang="en-US"/>
+          </a:p>
+        </p:txBody>
+      </p:sp>
+      <p:sp>
+        <p:nvSpPr>
+          <p:cNvPr id="70" name="Rectangle 69"/>
+          <p:cNvSpPr/>
+          <p:nvPr/>
+        </p:nvSpPr>
+        <p:spPr>
+          <a:xfrm>
+            <a:off x="152400" y="21143952"/>
+            <a:ext cx="18249898" cy="4840248"/>
+          </a:xfrm>
+          <a:prstGeom prst="rect">
+            <a:avLst/>
+          </a:prstGeom>
+          <a:solidFill>
+            <a:schemeClr val="bg1"/>
+          </a:solidFill>
+        </p:spPr>
+        <p:style>
+          <a:lnRef idx="1">
+            <a:schemeClr val="accent1"/>
+          </a:lnRef>
+          <a:fillRef idx="3">
+            <a:schemeClr val="accent1"/>
+          </a:fillRef>
+          <a:effectRef idx="2">
+            <a:schemeClr val="accent1"/>
+          </a:effectRef>
+          <a:fontRef idx="minor">
+            <a:schemeClr val="lt1"/>
+          </a:fontRef>
+        </p:style>
+        <p:txBody>
+          <a:bodyPr rtlCol="0" anchor="ctr"/>
+          <a:lstStyle/>
+          <a:p>
+            <a:pPr algn="ctr"/>
+            <a:endParaRPr lang="en-US"/>
+          </a:p>
+        </p:txBody>
+      </p:sp>
+      <p:sp>
+        <p:nvSpPr>
           <p:cNvPr id="55" name="TextBox 54"/>
           <p:cNvSpPr txBox="1"/>
           <p:nvPr/>
         </p:nvSpPr>
         <p:spPr>
           <a:xfrm>
-            <a:off x="10858501" y="25200114"/>
-            <a:ext cx="7543797" cy="707886"/>
+            <a:off x="11124184" y="26343114"/>
+            <a:ext cx="7278114" cy="707886"/>
           </a:xfrm>
           <a:prstGeom prst="rect">
             <a:avLst/>
@@ -3643,8 +3720,8 @@
         </p:nvSpPr>
         <p:spPr>
           <a:xfrm>
-            <a:off x="152400" y="25942996"/>
-            <a:ext cx="10287000" cy="1938992"/>
+            <a:off x="228600" y="27012543"/>
+            <a:ext cx="10439400" cy="2400657"/>
           </a:xfrm>
           <a:prstGeom prst="rect">
             <a:avLst/>
@@ -3661,96 +3738,33 @@
           <a:p>
             <a:r>
               <a:rPr lang="en-US" sz="3000" dirty="0" smtClean="0"/>
-              <a:t>Hierarchically composing PY processes is a way to smooth distribution estimates.  The parameters of the process are known as discounts and concentrations and control the amount of smoothing in the model.</a:t>
+              <a:t>The PYP is a distribution over </a:t>
+            </a:r>
+            <a:r>
+              <a:rPr lang="en-US" sz="3000" dirty="0" smtClean="0"/>
+              <a:t>distributions</a:t>
+            </a:r>
+            <a:r>
+              <a:rPr lang="en-US" sz="3000" dirty="0" smtClean="0"/>
+              <a:t> and</a:t>
+            </a:r>
+            <a:r>
+              <a:rPr lang="en-US" sz="3000" dirty="0" smtClean="0"/>
+              <a:t> </a:t>
+            </a:r>
+            <a:r>
+              <a:rPr lang="en-US" sz="3000" dirty="0" smtClean="0"/>
+              <a:t>is a generalization of the </a:t>
+            </a:r>
+            <a:r>
+              <a:rPr lang="en-US" sz="3000" dirty="0" err="1" smtClean="0"/>
+              <a:t>Dirichlet</a:t>
+            </a:r>
+            <a:r>
+              <a:rPr lang="en-US" sz="3000" dirty="0" smtClean="0"/>
+              <a:t> process [7]. Hierarchically composing PY processes is a way to smooth distribution estimates.  The parameters of the process are known as discounts and concentrations and control the amount of smoothing in the model.</a:t>
             </a:r>
             <a:endParaRPr lang="en-US" sz="3000" dirty="0"/>
-          </a:p>
-        </p:txBody>
-      </p:sp>
-      <p:sp>
-        <p:nvSpPr>
-          <p:cNvPr id="47" name="Rectangle 46"/>
-          <p:cNvSpPr/>
-          <p:nvPr/>
-        </p:nvSpPr>
-        <p:spPr>
-          <a:xfrm>
-            <a:off x="152400" y="27881988"/>
-            <a:ext cx="10287000" cy="2390218"/>
-          </a:xfrm>
-          <a:prstGeom prst="rect">
-            <a:avLst/>
-          </a:prstGeom>
-          <a:solidFill>
-            <a:schemeClr val="bg1"/>
-          </a:solidFill>
-          <a:ln>
-            <a:noFill/>
-          </a:ln>
-        </p:spPr>
-        <p:style>
-          <a:lnRef idx="1">
-            <a:schemeClr val="accent1"/>
-          </a:lnRef>
-          <a:fillRef idx="3">
-            <a:schemeClr val="accent1"/>
-          </a:fillRef>
-          <a:effectRef idx="2">
-            <a:schemeClr val="accent1"/>
-          </a:effectRef>
-          <a:fontRef idx="minor">
-            <a:schemeClr val="lt1"/>
-          </a:fontRef>
-        </p:style>
-        <p:txBody>
-          <a:bodyPr rtlCol="0" anchor="ctr"/>
-          <a:lstStyle/>
-          <a:p>
-            <a:pPr algn="ctr"/>
-            <a:endParaRPr lang="en-US"/>
-          </a:p>
-        </p:txBody>
-      </p:sp>
-      <p:sp>
-        <p:nvSpPr>
-          <p:cNvPr id="58" name="Rectangle 57"/>
-          <p:cNvSpPr/>
-          <p:nvPr/>
-        </p:nvSpPr>
-        <p:spPr>
-          <a:xfrm>
-            <a:off x="152400" y="25208292"/>
-            <a:ext cx="10287000" cy="5063914"/>
-          </a:xfrm>
-          <a:prstGeom prst="rect">
-            <a:avLst/>
-          </a:prstGeom>
-          <a:solidFill>
-            <a:schemeClr val="bg1">
-              <a:alpha val="0"/>
-            </a:schemeClr>
-          </a:solidFill>
-        </p:spPr>
-        <p:style>
-          <a:lnRef idx="1">
-            <a:schemeClr val="accent1"/>
-          </a:lnRef>
-          <a:fillRef idx="3">
-            <a:schemeClr val="accent1"/>
-          </a:fillRef>
-          <a:effectRef idx="2">
-            <a:schemeClr val="accent1"/>
-          </a:effectRef>
-          <a:fontRef idx="minor">
-            <a:schemeClr val="lt1"/>
-          </a:fontRef>
-        </p:style>
-        <p:txBody>
-          <a:bodyPr rtlCol="0" anchor="ctr"/>
-          <a:lstStyle/>
-          <a:p>
-            <a:pPr algn="ctr"/>
-            <a:endParaRPr lang="en-US"/>
           </a:p>
         </p:txBody>
       </p:sp>
@@ -3946,7 +3960,9 @@
             <a:schemeClr val="tx2"/>
           </a:solidFill>
           <a:ln>
-            <a:noFill/>
+            <a:solidFill>
+              <a:schemeClr val="tx2"/>
+            </a:solidFill>
           </a:ln>
         </p:spPr>
         <p:txBody>
@@ -3970,7 +3986,15 @@
                   <a:schemeClr val="bg1"/>
                 </a:solidFill>
               </a:rPr>
-              <a:t>™ for Streaming Data</a:t>
+              <a:t> </a:t>
+            </a:r>
+            <a:r>
+              <a:rPr lang="en-US" sz="8000" b="1" dirty="0" smtClean="0">
+                <a:solidFill>
+                  <a:schemeClr val="bg1"/>
+                </a:solidFill>
+              </a:rPr>
+              <a:t>for Streaming Data </a:t>
             </a:r>
           </a:p>
           <a:p>
@@ -3981,7 +4005,7 @@
                   <a:schemeClr val="bg1"/>
                 </a:solidFill>
               </a:rPr>
-              <a:t>Nicholas Bartlett, Frank Wood</a:t>
+              <a:t>Nicholas Bartlett, Frank Wood, Department of Statistics</a:t>
             </a:r>
           </a:p>
         </p:txBody>
@@ -4003,7 +4027,7 @@
               </a:stretch>
             </p:blipFill>
           </mc:Choice>
-          <mc:Fallback xmlns:ma="http://schemas.microsoft.com/office/mac/drawingml/2008/main" xmlns="" xmlns:a="http://schemas.openxmlformats.org/drawingml/2006/main" xmlns:r="http://schemas.openxmlformats.org/officeDocument/2006/relationships" xmlns:mc="http://schemas.openxmlformats.org/markup-compatibility/2006" xmlns:mv="urn:schemas-microsoft-com:mac:vml" xmlns:p="http://schemas.openxmlformats.org/presentationml/2006/main">
+          <mc:Fallback xmlns:p="http://schemas.openxmlformats.org/presentationml/2006/main" xmlns:mv="urn:schemas-microsoft-com:mac:vml" xmlns:mc="http://schemas.openxmlformats.org/markup-compatibility/2006" xmlns:r="http://schemas.openxmlformats.org/officeDocument/2006/relationships" xmlns:a="http://schemas.openxmlformats.org/drawingml/2006/main" xmlns="">
             <p:blipFill>
               <a:blip r:embed="rId4"/>
               <a:stretch>
@@ -4020,6 +4044,11 @@
           <a:prstGeom prst="rect">
             <a:avLst/>
           </a:prstGeom>
+          <a:ln>
+            <a:solidFill>
+              <a:schemeClr val="tx2"/>
+            </a:solidFill>
+          </a:ln>
         </p:spPr>
       </p:pic>
       <p:pic>
@@ -4039,7 +4068,7 @@
               </a:stretch>
             </p:blipFill>
           </mc:Choice>
-          <mc:Fallback xmlns:ma="http://schemas.microsoft.com/office/mac/drawingml/2008/main" xmlns="" xmlns:a="http://schemas.openxmlformats.org/drawingml/2006/main" xmlns:r="http://schemas.openxmlformats.org/officeDocument/2006/relationships" xmlns:mc="http://schemas.openxmlformats.org/markup-compatibility/2006" xmlns:mv="urn:schemas-microsoft-com:mac:vml" xmlns:p="http://schemas.openxmlformats.org/presentationml/2006/main">
+          <mc:Fallback xmlns:p="http://schemas.openxmlformats.org/presentationml/2006/main" xmlns:mv="urn:schemas-microsoft-com:mac:vml" xmlns:mc="http://schemas.openxmlformats.org/markup-compatibility/2006" xmlns:r="http://schemas.openxmlformats.org/officeDocument/2006/relationships" xmlns:a="http://schemas.openxmlformats.org/drawingml/2006/main" xmlns="" xmlns:ma="http://schemas.microsoft.com/office/mac/drawingml/2008/main">
             <p:blipFill>
               <a:blip r:embed="rId6"/>
               <a:stretch>
@@ -4066,8 +4095,8 @@
           </p:cNvPicPr>
           <p:nvPr/>
         </p:nvPicPr>
-        <mc:AlternateContent xmlns:ma="http://schemas.microsoft.com/office/mac/drawingml/2008/main">
-          <mc:Choice Requires="ma">
+        <mc:AlternateContent>
+          <mc:Choice xmlns:ma="http://schemas.microsoft.com/office/mac/drawingml/2008/main" Requires="ma">
             <p:blipFill>
               <a:blip r:embed="rId7"/>
               <a:stretch>
@@ -4075,7 +4104,7 @@
               </a:stretch>
             </p:blipFill>
           </mc:Choice>
-          <mc:Fallback xmlns:ma="http://schemas.microsoft.com/office/mac/drawingml/2008/main" xmlns="" xmlns:a="http://schemas.openxmlformats.org/drawingml/2006/main" xmlns:r="http://schemas.openxmlformats.org/officeDocument/2006/relationships" xmlns:mc="http://schemas.openxmlformats.org/markup-compatibility/2006" xmlns:mv="urn:schemas-microsoft-com:mac:vml" xmlns:p="http://schemas.openxmlformats.org/presentationml/2006/main">
+          <mc:Fallback>
             <p:blipFill>
               <a:blip r:embed="rId8"/>
               <a:stretch>
@@ -4086,7 +4115,7 @@
         </mc:AlternateContent>
         <p:spPr>
           <a:xfrm>
-            <a:off x="28520617" y="17297400"/>
+            <a:off x="28520617" y="14249400"/>
             <a:ext cx="13174895" cy="2798486"/>
           </a:xfrm>
           <a:prstGeom prst="rect">
@@ -4111,7 +4140,7 @@
               </a:stretch>
             </p:blipFill>
           </mc:Choice>
-          <mc:Fallback xmlns:ma="http://schemas.microsoft.com/office/mac/drawingml/2008/main" xmlns="" xmlns:a="http://schemas.openxmlformats.org/drawingml/2006/main" xmlns:r="http://schemas.openxmlformats.org/officeDocument/2006/relationships" xmlns:mc="http://schemas.openxmlformats.org/markup-compatibility/2006" xmlns:mv="urn:schemas-microsoft-com:mac:vml" xmlns:p="http://schemas.openxmlformats.org/presentationml/2006/main">
+          <mc:Fallback xmlns:p="http://schemas.openxmlformats.org/presentationml/2006/main" xmlns:mv="urn:schemas-microsoft-com:mac:vml" xmlns:mc="http://schemas.openxmlformats.org/markup-compatibility/2006" xmlns:r="http://schemas.openxmlformats.org/officeDocument/2006/relationships" xmlns:a="http://schemas.openxmlformats.org/drawingml/2006/main" xmlns="" xmlns:ma="http://schemas.microsoft.com/office/mac/drawingml/2008/main">
             <p:blipFill>
               <a:blip r:embed="rId10"/>
               <a:stretch>
@@ -4154,7 +4183,7 @@
           <a:p>
             <a:r>
               <a:rPr lang="en-US" sz="3000" dirty="0" smtClean="0"/>
-              <a:t>An arithmetic encoder uses of the output from a predictive model to create a 1-1 correspondence between input streams and sub-intervals of the unit interval [0,1).  The input is then encoded by sending the sub-interval to which it corresponds.  Input streams which are likely under the predictive model correspond to larger sub-intervals and thus require fewer bits to encode.</a:t>
+              <a:t>An arithmetic encoder uses of the output from a predictive model to create a 1-1 correspondence between input streams and sub-intervals of the unit interval [0,1).  The input is then encoded using the sub-interval to which it corresponds.  Input streams which are likely under the predictive model correspond to larger sub-intervals and thus require fewer bits to encode.</a:t>
             </a:r>
           </a:p>
           <a:p>
@@ -4219,8 +4248,8 @@
           </p:cNvPicPr>
           <p:nvPr/>
         </p:nvPicPr>
-        <mc:AlternateContent xmlns:ma="http://schemas.microsoft.com/office/mac/drawingml/2008/main">
-          <mc:Choice Requires="ma">
+        <mc:AlternateContent>
+          <mc:Choice xmlns:ma="http://schemas.microsoft.com/office/mac/drawingml/2008/main" Requires="ma">
             <p:blipFill>
               <a:blip r:embed="rId11"/>
               <a:stretch>
@@ -4228,7 +4257,7 @@
               </a:stretch>
             </p:blipFill>
           </mc:Choice>
-          <mc:Fallback xmlns:ma="http://schemas.microsoft.com/office/mac/drawingml/2008/main" xmlns="" xmlns:a="http://schemas.openxmlformats.org/drawingml/2006/main" xmlns:r="http://schemas.openxmlformats.org/officeDocument/2006/relationships" xmlns:mc="http://schemas.openxmlformats.org/markup-compatibility/2006" xmlns:mv="urn:schemas-microsoft-com:mac:vml" xmlns:p="http://schemas.openxmlformats.org/presentationml/2006/main">
+          <mc:Fallback>
             <p:blipFill>
               <a:blip r:embed="rId12"/>
               <a:stretch>
@@ -4239,7 +4268,7 @@
         </mc:AlternateContent>
         <p:spPr>
           <a:xfrm>
-            <a:off x="778368" y="16840200"/>
+            <a:off x="778368" y="13563600"/>
             <a:ext cx="11718432" cy="2929608"/>
           </a:xfrm>
           <a:prstGeom prst="rect">
@@ -4264,7 +4293,7 @@
               </a:stretch>
             </p:blipFill>
           </mc:Choice>
-          <mc:Fallback xmlns:ma="http://schemas.microsoft.com/office/mac/drawingml/2008/main" xmlns="" xmlns:a="http://schemas.openxmlformats.org/drawingml/2006/main" xmlns:r="http://schemas.openxmlformats.org/officeDocument/2006/relationships" xmlns:mc="http://schemas.openxmlformats.org/markup-compatibility/2006" xmlns:mv="urn:schemas-microsoft-com:mac:vml" xmlns:p="http://schemas.openxmlformats.org/presentationml/2006/main">
+          <mc:Fallback xmlns:p="http://schemas.openxmlformats.org/presentationml/2006/main" xmlns:mv="urn:schemas-microsoft-com:mac:vml" xmlns:mc="http://schemas.openxmlformats.org/markup-compatibility/2006" xmlns:r="http://schemas.openxmlformats.org/officeDocument/2006/relationships" xmlns:a="http://schemas.openxmlformats.org/drawingml/2006/main" xmlns="" xmlns:ma="http://schemas.microsoft.com/office/mac/drawingml/2008/main">
             <p:blipFill>
               <a:blip r:embed="rId14"/>
               <a:stretch>
@@ -4292,7 +4321,7 @@
         <p:spPr>
           <a:xfrm>
             <a:off x="25908000" y="3110686"/>
-            <a:ext cx="7301321" cy="8863965"/>
+            <a:ext cx="7301321" cy="8402300"/>
           </a:xfrm>
           <a:prstGeom prst="rect">
             <a:avLst/>
@@ -4310,16 +4339,16 @@
               <a:t>Batch </a:t>
             </a:r>
             <a:r>
-              <a:rPr lang="en-US" sz="3000" dirty="0" err="1"/>
-              <a:t>d</a:t>
-            </a:r>
-            <a:r>
               <a:rPr lang="en-US" sz="3000" dirty="0" err="1" smtClean="0"/>
-              <a:t>eplump</a:t>
+              <a:t>deplump</a:t>
             </a:r>
             <a:r>
               <a:rPr lang="en-US" sz="3000" dirty="0" smtClean="0"/>
-              <a:t>™ is an arithmetic compressor powered by a nonparametric Bayesian model called the sequence </a:t>
+              <a:t> </a:t>
+            </a:r>
+            <a:r>
+              <a:rPr lang="en-US" sz="3000" dirty="0" smtClean="0"/>
+              <a:t>is an arithmetic compressor powered by a nonparametric Bayesian model called the sequence </a:t>
             </a:r>
             <a:r>
               <a:rPr lang="en-US" sz="3000" dirty="0" err="1" smtClean="0"/>
@@ -4335,7 +4364,11 @@
             </a:r>
             <a:r>
               <a:rPr lang="en-US" sz="3000" dirty="0" smtClean="0"/>
-              <a:t>™ has been demonstrated on benchmark corpora, including the Calgary Corpus [2].  The aggregate performance of </a:t>
+              <a:t> </a:t>
+            </a:r>
+            <a:r>
+              <a:rPr lang="en-US" sz="3000" dirty="0" smtClean="0"/>
+              <a:t>has been demonstrated on benchmark corpora, including the Calgary Corpus [2].  The aggregate performance of </a:t>
             </a:r>
             <a:r>
               <a:rPr lang="en-US" sz="3000" dirty="0" err="1" smtClean="0"/>
@@ -4343,7 +4376,11 @@
             </a:r>
             <a:r>
               <a:rPr lang="en-US" sz="3000" dirty="0" smtClean="0"/>
-              <a:t>™ is equal or better than that of comparable state of the art, general purpose, lossless compressors [4].  The spatial complexity of the sequence </a:t>
+              <a:t> </a:t>
+            </a:r>
+            <a:r>
+              <a:rPr lang="en-US" sz="3000" dirty="0" smtClean="0"/>
+              <a:t>is equal or better than that of comparable state of the art, general purpose, lossless compressors [4].  The spatial complexity of the sequence </a:t>
             </a:r>
             <a:r>
               <a:rPr lang="en-US" sz="3000" dirty="0" err="1" smtClean="0"/>
@@ -4359,7 +4396,11 @@
             </a:r>
             <a:r>
               <a:rPr lang="en-US" sz="3000" dirty="0" smtClean="0"/>
-              <a:t>™ unrealistic for streaming data.</a:t>
+              <a:t> </a:t>
+            </a:r>
+            <a:r>
+              <a:rPr lang="en-US" sz="3000" dirty="0" smtClean="0"/>
+              <a:t>unrealistic for streaming data.</a:t>
             </a:r>
           </a:p>
           <a:p>
@@ -4376,7 +4417,11 @@
             </a:r>
             <a:r>
               <a:rPr lang="en-US" sz="3000" dirty="0" smtClean="0"/>
-              <a:t>™ on the Calgary Corpus is compared to PPM [3] and CTW [10].  Performance is measured in average bits per byte (lower is better).  Bold text indicates best performance.</a:t>
+              <a:t> </a:t>
+            </a:r>
+            <a:r>
+              <a:rPr lang="en-US" sz="3000" dirty="0" smtClean="0"/>
+              <a:t>on the Calgary Corpus is compared to PPM [3] and CTW [10].  Performance is measured in average bits per byte (lower is better).  Bold text indicates best performance.</a:t>
             </a:r>
             <a:endParaRPr lang="en-US" sz="3000" dirty="0"/>
           </a:p>
@@ -4415,20 +4460,12 @@
               <a:t>Batch </a:t>
             </a:r>
             <a:r>
-              <a:rPr lang="en-US" sz="4000" b="1" dirty="0" err="1">
-                <a:solidFill>
-                  <a:srgbClr val="FFFF00"/>
-                </a:solidFill>
-              </a:rPr>
-              <a:t>D</a:t>
-            </a:r>
-            <a:r>
               <a:rPr lang="en-US" sz="4000" b="1" dirty="0" err="1" smtClean="0">
                 <a:solidFill>
                   <a:srgbClr val="FFFF00"/>
                 </a:solidFill>
               </a:rPr>
-              <a:t>eplump</a:t>
+              <a:t>Deplump</a:t>
             </a:r>
             <a:r>
               <a:rPr lang="en-US" sz="4000" b="1" dirty="0" smtClean="0">
@@ -4436,7 +4473,23 @@
                   <a:srgbClr val="FFFF00"/>
                 </a:solidFill>
               </a:rPr>
-              <a:t>™ [4] and the Sequence </a:t>
+              <a:t> </a:t>
+            </a:r>
+            <a:r>
+              <a:rPr lang="en-US" sz="4000" b="1" dirty="0" smtClean="0">
+                <a:solidFill>
+                  <a:srgbClr val="FFFF00"/>
+                </a:solidFill>
+              </a:rPr>
+              <a:t>[</a:t>
+            </a:r>
+            <a:r>
+              <a:rPr lang="en-US" sz="4000" b="1" dirty="0" smtClean="0">
+                <a:solidFill>
+                  <a:srgbClr val="FFFF00"/>
+                </a:solidFill>
+              </a:rPr>
+              <a:t>4] and the Sequence </a:t>
             </a:r>
             <a:r>
               <a:rPr lang="en-US" sz="4000" b="1" dirty="0" err="1" smtClean="0">
@@ -4511,7 +4564,7 @@
         </p:nvSpPr>
         <p:spPr>
           <a:xfrm>
-            <a:off x="152400" y="13335000"/>
+            <a:off x="152400" y="16687800"/>
             <a:ext cx="13563600" cy="3323987"/>
           </a:xfrm>
           <a:prstGeom prst="rect">
@@ -4543,7 +4596,11 @@
             </a:r>
             <a:r>
               <a:rPr lang="en-US" sz="3000" dirty="0" smtClean="0"/>
-              <a:t>™ compressor it is necessary to approximate the model using a data structure which does not grow with the length of the input sequence.  Forgetting (pruning) of the suffix tree is used to achieve this and was demonstrated to have excellent empirical performance [1].  Results here are measured in bits per byte and shown versus an upper limit on the number of nodes in the suffix tree.  Comparisons are made to naïve and other simple strategies to obtain constant spatial complexity.</a:t>
+              <a:t> </a:t>
+            </a:r>
+            <a:r>
+              <a:rPr lang="en-US" sz="3000" dirty="0" smtClean="0"/>
+              <a:t>compressor it is necessary to approximate the model using a data structure which does not grow with the length of the input sequence.  Forgetting (pruning) of the suffix tree is used to achieve this and was demonstrated to have excellent empirical performance [1].  Results here are measured in bits per byte and shown versus an upper limit on the number of nodes in the suffix tree.  Comparisons are made to naïve and other simple strategies to obtain constant spatial complexity.</a:t>
             </a:r>
             <a:endParaRPr lang="en-US" sz="3000" dirty="0"/>
           </a:p>
@@ -4557,7 +4614,7 @@
         </p:nvSpPr>
         <p:spPr>
           <a:xfrm>
-            <a:off x="13944600" y="13335000"/>
+            <a:off x="13944600" y="17025878"/>
             <a:ext cx="14325600" cy="2862322"/>
           </a:xfrm>
           <a:prstGeom prst="rect">
@@ -4581,7 +4638,11 @@
             </a:r>
             <a:r>
               <a:rPr lang="en-US" sz="3000" dirty="0" smtClean="0"/>
-              <a:t>™ was evaluated on a complete </a:t>
+              <a:t> </a:t>
+            </a:r>
+            <a:r>
+              <a:rPr lang="en-US" sz="3000" dirty="0" smtClean="0"/>
+              <a:t>was evaluated on a complete </a:t>
             </a:r>
             <a:r>
               <a:rPr lang="en-US" sz="3000" dirty="0" err="1" smtClean="0"/>
@@ -4602,8 +4663,8 @@
           </p:cNvPicPr>
           <p:nvPr/>
         </p:nvPicPr>
-        <mc:AlternateContent xmlns:ma="http://schemas.microsoft.com/office/mac/drawingml/2008/main">
-          <mc:Choice Requires="ma">
+        <mc:AlternateContent>
+          <mc:Choice xmlns:ma="http://schemas.microsoft.com/office/mac/drawingml/2008/main" Requires="ma">
             <p:blipFill>
               <a:blip r:embed="rId15"/>
               <a:stretch>
@@ -4611,7 +4672,7 @@
               </a:stretch>
             </p:blipFill>
           </mc:Choice>
-          <mc:Fallback xmlns:ma="http://schemas.microsoft.com/office/mac/drawingml/2008/main" xmlns="" xmlns:a="http://schemas.openxmlformats.org/drawingml/2006/main" xmlns:r="http://schemas.openxmlformats.org/officeDocument/2006/relationships" xmlns:mc="http://schemas.openxmlformats.org/markup-compatibility/2006" xmlns:mv="urn:schemas-microsoft-com:mac:vml" xmlns:p="http://schemas.openxmlformats.org/presentationml/2006/main">
+          <mc:Fallback>
             <p:blipFill>
               <a:blip r:embed="rId16"/>
               <a:stretch>
@@ -4622,7 +4683,7 @@
         </mc:AlternateContent>
         <p:spPr>
           <a:xfrm>
-            <a:off x="14630400" y="16197322"/>
+            <a:off x="14630400" y="13260108"/>
             <a:ext cx="12837295" cy="3808692"/>
           </a:xfrm>
           <a:prstGeom prst="rect">
@@ -4638,7 +4699,7 @@
         </p:nvSpPr>
         <p:spPr>
           <a:xfrm>
-            <a:off x="28520617" y="13335000"/>
+            <a:off x="28498800" y="17025878"/>
             <a:ext cx="13313183" cy="2400657"/>
           </a:xfrm>
           <a:prstGeom prst="rect">
@@ -4662,7 +4723,11 @@
             </a:r>
             <a:r>
               <a:rPr lang="en-US" sz="3000" dirty="0" smtClean="0"/>
-              <a:t>™ as a function of stream length was also evaluated using the </a:t>
+              <a:t> </a:t>
+            </a:r>
+            <a:r>
+              <a:rPr lang="en-US" sz="3000" dirty="0" smtClean="0"/>
+              <a:t>as a function of stream length was also evaluated using the </a:t>
             </a:r>
             <a:r>
               <a:rPr lang="en-US" sz="3000" dirty="0" err="1" smtClean="0"/>
@@ -4686,183 +4751,6 @@
           <a:xfrm>
             <a:off x="152400" y="12474714"/>
             <a:ext cx="13563600" cy="707886"/>
-          </a:xfrm>
-          <a:prstGeom prst="rect">
-            <a:avLst/>
-          </a:prstGeom>
-          <a:solidFill>
-            <a:schemeClr val="tx2"/>
-          </a:solidFill>
-        </p:spPr>
-        <p:txBody>
-          <a:bodyPr wrap="square" rtlCol="0">
-            <a:spAutoFit/>
-          </a:bodyPr>
-          <a:lstStyle/>
-          <a:p>
-            <a:r>
-              <a:rPr lang="en-US" sz="4000" b="1" dirty="0" smtClean="0">
-                <a:solidFill>
-                  <a:srgbClr val="FFFF00"/>
-                </a:solidFill>
-              </a:rPr>
-              <a:t>Results (1)</a:t>
-            </a:r>
-          </a:p>
-        </p:txBody>
-      </p:sp>
-      <p:sp>
-        <p:nvSpPr>
-          <p:cNvPr id="41" name="TextBox 40"/>
-          <p:cNvSpPr txBox="1"/>
-          <p:nvPr/>
-        </p:nvSpPr>
-        <p:spPr>
-          <a:xfrm>
-            <a:off x="13944600" y="12474714"/>
-            <a:ext cx="14325600" cy="707886"/>
-          </a:xfrm>
-          <a:prstGeom prst="rect">
-            <a:avLst/>
-          </a:prstGeom>
-          <a:solidFill>
-            <a:schemeClr val="tx2"/>
-          </a:solidFill>
-        </p:spPr>
-        <p:txBody>
-          <a:bodyPr wrap="square" rtlCol="0">
-            <a:spAutoFit/>
-          </a:bodyPr>
-          <a:lstStyle/>
-          <a:p>
-            <a:r>
-              <a:rPr lang="en-US" sz="4000" b="1" dirty="0" smtClean="0">
-                <a:solidFill>
-                  <a:srgbClr val="FFFF00"/>
-                </a:solidFill>
-              </a:rPr>
-              <a:t>Results (2)</a:t>
-            </a:r>
-          </a:p>
-        </p:txBody>
-      </p:sp>
-      <p:sp>
-        <p:nvSpPr>
-          <p:cNvPr id="42" name="TextBox 41"/>
-          <p:cNvSpPr txBox="1"/>
-          <p:nvPr/>
-        </p:nvSpPr>
-        <p:spPr>
-          <a:xfrm>
-            <a:off x="28520617" y="12474714"/>
-            <a:ext cx="13313183" cy="707886"/>
-          </a:xfrm>
-          <a:prstGeom prst="rect">
-            <a:avLst/>
-          </a:prstGeom>
-          <a:solidFill>
-            <a:schemeClr val="tx2"/>
-          </a:solidFill>
-        </p:spPr>
-        <p:txBody>
-          <a:bodyPr wrap="square" rtlCol="0">
-            <a:spAutoFit/>
-          </a:bodyPr>
-          <a:lstStyle/>
-          <a:p>
-            <a:r>
-              <a:rPr lang="en-US" sz="4000" b="1" dirty="0" smtClean="0">
-                <a:solidFill>
-                  <a:srgbClr val="FFFF00"/>
-                </a:solidFill>
-              </a:rPr>
-              <a:t>Results (3)</a:t>
-            </a:r>
-          </a:p>
-        </p:txBody>
-      </p:sp>
-      <p:sp>
-        <p:nvSpPr>
-          <p:cNvPr id="45" name="TextBox 44"/>
-          <p:cNvSpPr txBox="1"/>
-          <p:nvPr/>
-        </p:nvSpPr>
-        <p:spPr>
-          <a:xfrm>
-            <a:off x="152400" y="21161229"/>
-            <a:ext cx="10287000" cy="3785652"/>
-          </a:xfrm>
-          <a:prstGeom prst="rect">
-            <a:avLst/>
-          </a:prstGeom>
-          <a:solidFill>
-            <a:schemeClr val="bg1"/>
-          </a:solidFill>
-          <a:ln>
-            <a:solidFill>
-              <a:schemeClr val="tx2"/>
-            </a:solidFill>
-          </a:ln>
-        </p:spPr>
-        <p:txBody>
-          <a:bodyPr wrap="square" rtlCol="0">
-            <a:spAutoFit/>
-          </a:bodyPr>
-          <a:lstStyle/>
-          <a:p>
-            <a:r>
-              <a:rPr lang="en-US" sz="3000" dirty="0" smtClean="0"/>
-              <a:t>The PYP is a distribution over distributions. It is a generalization of the </a:t>
-            </a:r>
-            <a:r>
-              <a:rPr lang="en-US" sz="3000" dirty="0" err="1" smtClean="0"/>
-              <a:t>Dirichlet</a:t>
-            </a:r>
-            <a:r>
-              <a:rPr lang="en-US" sz="3000" dirty="0" smtClean="0"/>
-              <a:t> process. Sampling from the PYP can be done in two steps :</a:t>
-            </a:r>
-          </a:p>
-          <a:p>
-            <a:pPr marL="514350" indent="-514350">
-              <a:buFont typeface="+mj-lt"/>
-              <a:buAutoNum type="arabicPeriod"/>
-            </a:pPr>
-            <a:r>
-              <a:rPr lang="en-US" sz="3000" dirty="0" smtClean="0"/>
-              <a:t>Draw a partition of the first N integers from the </a:t>
-            </a:r>
-            <a:r>
-              <a:rPr lang="en-US" sz="3000" dirty="0" err="1" smtClean="0"/>
-              <a:t>Ewen’s</a:t>
-            </a:r>
-            <a:r>
-              <a:rPr lang="en-US" sz="3000" dirty="0" smtClean="0"/>
-              <a:t> two parameter sampling distribution. </a:t>
-            </a:r>
-          </a:p>
-          <a:p>
-            <a:pPr marL="514350" indent="-514350">
-              <a:buFont typeface="+mj-lt"/>
-              <a:buAutoNum type="arabicPeriod"/>
-            </a:pPr>
-            <a:r>
-              <a:rPr lang="en-US" sz="3000" dirty="0" smtClean="0"/>
-              <a:t>To each part of the partition assign a value drawn from the base distribution.  The value of sample element J is the value assigned to the part of the partition containing the integer J.</a:t>
-            </a:r>
-          </a:p>
-        </p:txBody>
-      </p:sp>
-      <p:sp>
-        <p:nvSpPr>
-          <p:cNvPr id="46" name="TextBox 45"/>
-          <p:cNvSpPr txBox="1"/>
-          <p:nvPr/>
-        </p:nvSpPr>
-        <p:spPr>
-          <a:xfrm>
-            <a:off x="152400" y="20453343"/>
-            <a:ext cx="10287000" cy="707886"/>
           </a:xfrm>
           <a:prstGeom prst="rect">
             <a:avLst/>
@@ -4888,87 +4776,21 @@
                   <a:srgbClr val="FFFF00"/>
                 </a:solidFill>
               </a:rPr>
-              <a:t>Pitman-</a:t>
-            </a:r>
-            <a:r>
-              <a:rPr lang="en-US" sz="4000" b="1" dirty="0" err="1" smtClean="0">
-                <a:solidFill>
-                  <a:srgbClr val="FFFF00"/>
-                </a:solidFill>
-              </a:rPr>
-              <a:t>Yor</a:t>
-            </a:r>
-            <a:r>
-              <a:rPr lang="en-US" sz="4000" b="1" dirty="0" smtClean="0">
-                <a:solidFill>
-                  <a:srgbClr val="FFFF00"/>
-                </a:solidFill>
-              </a:rPr>
-              <a:t> Process (PYP) [7]</a:t>
-            </a:r>
-            <a:endParaRPr lang="en-US" sz="4000" b="1" dirty="0">
-              <a:solidFill>
-                <a:srgbClr val="FFFF00"/>
-              </a:solidFill>
-            </a:endParaRPr>
-          </a:p>
-        </p:txBody>
-      </p:sp>
-      <p:pic>
-        <p:nvPicPr>
-          <p:cNvPr id="48" name="Picture 47" descr="forgettingCounts.pdf"/>
-          <p:cNvPicPr>
-            <a:picLocks noChangeAspect="1"/>
-          </p:cNvPicPr>
+              <a:t>Results 1</a:t>
+            </a:r>
+          </a:p>
+        </p:txBody>
+      </p:sp>
+      <p:sp>
+        <p:nvSpPr>
+          <p:cNvPr id="41" name="TextBox 40"/>
+          <p:cNvSpPr txBox="1"/>
           <p:nvPr/>
-        </p:nvPicPr>
-        <mc:AlternateContent xmlns:ma="http://schemas.microsoft.com/office/mac/drawingml/2008/main">
-          <mc:Choice Requires="ma">
-            <p:blipFill>
-              <a:blip r:embed="rId17">
-                <a:lum/>
-              </a:blip>
-              <a:srcRect l="14118" t="47273" r="59176" b="45455"/>
-              <a:stretch>
-                <a:fillRect/>
-              </a:stretch>
-            </p:blipFill>
-          </mc:Choice>
-          <mc:Fallback xmlns:ma="http://schemas.microsoft.com/office/mac/drawingml/2008/main" xmlns="" xmlns:a="http://schemas.openxmlformats.org/drawingml/2006/main" xmlns:r="http://schemas.openxmlformats.org/officeDocument/2006/relationships" xmlns:mc="http://schemas.openxmlformats.org/markup-compatibility/2006" xmlns:mv="urn:schemas-microsoft-com:mac:vml" xmlns:p="http://schemas.openxmlformats.org/presentationml/2006/main">
-            <p:blipFill>
-              <a:blip r:embed="rId18">
-                <a:lum/>
-              </a:blip>
-              <a:srcRect l="14118" t="47273" r="59176" b="45455"/>
-              <a:stretch>
-                <a:fillRect/>
-              </a:stretch>
-            </p:blipFill>
-          </mc:Fallback>
-        </mc:AlternateContent>
+        </p:nvSpPr>
         <p:spPr>
           <a:xfrm>
-            <a:off x="1752534" y="27813000"/>
-            <a:ext cx="6781866" cy="2390218"/>
-          </a:xfrm>
-          <a:prstGeom prst="rect">
-            <a:avLst/>
-          </a:prstGeom>
-          <a:solidFill>
-            <a:schemeClr val="bg1"/>
-          </a:solidFill>
-        </p:spPr>
-      </p:pic>
-      <p:sp>
-        <p:nvSpPr>
-          <p:cNvPr id="50" name="TextBox 49"/>
-          <p:cNvSpPr txBox="1"/>
-          <p:nvPr/>
-        </p:nvSpPr>
-        <p:spPr>
-          <a:xfrm>
-            <a:off x="152400" y="25235110"/>
-            <a:ext cx="10287000" cy="707886"/>
+            <a:off x="13944600" y="12474714"/>
+            <a:ext cx="14325600" cy="707886"/>
           </a:xfrm>
           <a:prstGeom prst="rect">
             <a:avLst/>
@@ -4976,9 +4798,6 @@
           <a:solidFill>
             <a:schemeClr val="tx2"/>
           </a:solidFill>
-          <a:ln>
-            <a:noFill/>
-          </a:ln>
         </p:spPr>
         <p:txBody>
           <a:bodyPr wrap="square" rtlCol="0">
@@ -4992,42 +4811,21 @@
                   <a:srgbClr val="FFFF00"/>
                 </a:solidFill>
               </a:rPr>
-              <a:t>Hierarchical Pitman-</a:t>
-            </a:r>
-            <a:r>
-              <a:rPr lang="en-US" sz="4000" b="1" dirty="0" err="1" smtClean="0">
-                <a:solidFill>
-                  <a:srgbClr val="FFFF00"/>
-                </a:solidFill>
-              </a:rPr>
-              <a:t>Yor</a:t>
-            </a:r>
-            <a:r>
-              <a:rPr lang="en-US" sz="4000" b="1" dirty="0" smtClean="0">
-                <a:solidFill>
-                  <a:srgbClr val="FFFF00"/>
-                </a:solidFill>
-              </a:rPr>
-              <a:t> Processes (HPYP) [8]</a:t>
-            </a:r>
-            <a:endParaRPr lang="en-US" sz="4000" b="1" dirty="0">
-              <a:solidFill>
-                <a:srgbClr val="FFFF00"/>
-              </a:solidFill>
-            </a:endParaRPr>
-          </a:p>
-        </p:txBody>
-      </p:sp>
-      <p:sp>
-        <p:nvSpPr>
-          <p:cNvPr id="53" name="TextBox 52"/>
+              <a:t>Results 2</a:t>
+            </a:r>
+          </a:p>
+        </p:txBody>
+      </p:sp>
+      <p:sp>
+        <p:nvSpPr>
+          <p:cNvPr id="42" name="TextBox 41"/>
           <p:cNvSpPr txBox="1"/>
           <p:nvPr/>
         </p:nvSpPr>
         <p:spPr>
           <a:xfrm>
-            <a:off x="10858501" y="23850600"/>
-            <a:ext cx="7543797" cy="707886"/>
+            <a:off x="28520617" y="12474714"/>
+            <a:ext cx="13313183" cy="707886"/>
           </a:xfrm>
           <a:prstGeom prst="rect">
             <a:avLst/>
@@ -5035,9 +4833,6 @@
           <a:solidFill>
             <a:schemeClr val="tx2"/>
           </a:solidFill>
-          <a:ln>
-            <a:noFill/>
-          </a:ln>
         </p:spPr>
         <p:txBody>
           <a:bodyPr wrap="square" rtlCol="0">
@@ -5051,86 +4846,21 @@
                   <a:srgbClr val="FFFF00"/>
                 </a:solidFill>
               </a:rPr>
-              <a:t>Sequence </a:t>
-            </a:r>
-            <a:r>
-              <a:rPr lang="en-US" sz="4000" b="1" dirty="0" err="1" smtClean="0">
-                <a:solidFill>
-                  <a:srgbClr val="FFFF00"/>
-                </a:solidFill>
-              </a:rPr>
-              <a:t>Memoizer</a:t>
-            </a:r>
-            <a:r>
-              <a:rPr lang="en-US" sz="4000" b="1" dirty="0" smtClean="0">
-                <a:solidFill>
-                  <a:srgbClr val="FFFF00"/>
-                </a:solidFill>
-              </a:rPr>
-              <a:t> [8]</a:t>
-            </a:r>
-            <a:endParaRPr lang="en-US" sz="4000" b="1" dirty="0">
-              <a:solidFill>
-                <a:srgbClr val="FFFF00"/>
-              </a:solidFill>
-            </a:endParaRPr>
-          </a:p>
-        </p:txBody>
-      </p:sp>
-      <p:pic>
-        <p:nvPicPr>
-          <p:cNvPr id="54" name="Picture 53" descr="prefix_tree.pdf"/>
-          <p:cNvPicPr>
-            <a:picLocks noChangeAspect="1"/>
-          </p:cNvPicPr>
+              <a:t>Results 3</a:t>
+            </a:r>
+          </a:p>
+        </p:txBody>
+      </p:sp>
+      <p:sp>
+        <p:nvSpPr>
+          <p:cNvPr id="50" name="TextBox 49"/>
+          <p:cNvSpPr txBox="1"/>
           <p:nvPr/>
-        </p:nvPicPr>
-        <mc:AlternateContent xmlns:ma="http://schemas.microsoft.com/office/mac/drawingml/2008/main">
-          <mc:Choice Requires="ma">
-            <p:blipFill>
-              <a:blip r:embed="rId19"/>
-              <a:srcRect l="1460" r="1460"/>
-              <a:stretch>
-                <a:fillRect/>
-              </a:stretch>
-            </p:blipFill>
-          </mc:Choice>
-          <mc:Fallback xmlns:p="http://schemas.openxmlformats.org/presentationml/2006/main" xmlns:mv="urn:schemas-microsoft-com:mac:vml" xmlns:mc="http://schemas.openxmlformats.org/markup-compatibility/2006" xmlns:r="http://schemas.openxmlformats.org/officeDocument/2006/relationships" xmlns:a="http://schemas.openxmlformats.org/drawingml/2006/main" xmlns="">
-            <p:blipFill>
-              <a:blip r:embed="rId20"/>
-              <a:srcRect l="1460" r="1460"/>
-              <a:stretch>
-                <a:fillRect/>
-              </a:stretch>
-            </p:blipFill>
-          </mc:Fallback>
-        </mc:AlternateContent>
+        </p:nvSpPr>
         <p:spPr>
           <a:xfrm>
-            <a:off x="10858501" y="25942997"/>
-            <a:ext cx="7543798" cy="4918003"/>
-          </a:xfrm>
-          <a:prstGeom prst="rect">
-            <a:avLst/>
-          </a:prstGeom>
-          <a:solidFill>
-            <a:schemeClr val="bg1"/>
-          </a:solidFill>
-          <a:ln>
-            <a:noFill/>
-          </a:ln>
-        </p:spPr>
-      </p:pic>
-      <p:sp>
-        <p:nvSpPr>
-          <p:cNvPr id="56" name="TextBox 55"/>
-          <p:cNvSpPr txBox="1"/>
-          <p:nvPr/>
-        </p:nvSpPr>
-        <p:spPr>
-          <a:xfrm>
-            <a:off x="10858501" y="20453343"/>
-            <a:ext cx="7543797" cy="707886"/>
+            <a:off x="152400" y="26343114"/>
+            <a:ext cx="10744200" cy="707886"/>
           </a:xfrm>
           <a:prstGeom prst="rect">
             <a:avLst/>
@@ -5156,60 +4886,29 @@
                   <a:srgbClr val="FFFF00"/>
                 </a:solidFill>
               </a:rPr>
-              <a:t>Discrete Sequence Modeling</a:t>
+              <a:t>Hierarchical Pitman-</a:t>
+            </a:r>
+            <a:r>
+              <a:rPr lang="en-US" sz="4000" b="1" dirty="0" err="1" smtClean="0">
+                <a:solidFill>
+                  <a:srgbClr val="FFFF00"/>
+                </a:solidFill>
+              </a:rPr>
+              <a:t>Yor</a:t>
+            </a:r>
+            <a:r>
+              <a:rPr lang="en-US" sz="4000" b="1" dirty="0" smtClean="0">
+                <a:solidFill>
+                  <a:srgbClr val="FFFF00"/>
+                </a:solidFill>
+              </a:rPr>
+              <a:t> Processes (HPYP) [7,8]</a:t>
             </a:r>
             <a:endParaRPr lang="en-US" sz="4000" b="1" dirty="0">
               <a:solidFill>
                 <a:srgbClr val="FFFF00"/>
               </a:solidFill>
             </a:endParaRPr>
-          </a:p>
-        </p:txBody>
-      </p:sp>
-      <p:sp>
-        <p:nvSpPr>
-          <p:cNvPr id="57" name="TextBox 56"/>
-          <p:cNvSpPr txBox="1"/>
-          <p:nvPr/>
-        </p:nvSpPr>
-        <p:spPr>
-          <a:xfrm>
-            <a:off x="10858501" y="21161229"/>
-            <a:ext cx="7543797" cy="3785652"/>
-          </a:xfrm>
-          <a:prstGeom prst="rect">
-            <a:avLst/>
-          </a:prstGeom>
-          <a:solidFill>
-            <a:schemeClr val="bg1"/>
-          </a:solidFill>
-          <a:ln>
-            <a:solidFill>
-              <a:schemeClr val="tx2"/>
-            </a:solidFill>
-          </a:ln>
-        </p:spPr>
-        <p:txBody>
-          <a:bodyPr wrap="square" rtlCol="0">
-            <a:spAutoFit/>
-          </a:bodyPr>
-          <a:lstStyle/>
-          <a:p>
-            <a:r>
-              <a:rPr lang="en-US" sz="3000" dirty="0" smtClean="0"/>
-              <a:t>In a HPYP discrete sequence model nodes correspond to conditional distributions given some context. The parent node corresponds to a distribution conditioned on a more general context. The sequence </a:t>
-            </a:r>
-            <a:r>
-              <a:rPr lang="en-US" sz="3000" dirty="0" err="1" smtClean="0"/>
-              <a:t>memoizer</a:t>
-            </a:r>
-            <a:r>
-              <a:rPr lang="en-US" sz="3000" dirty="0" smtClean="0"/>
-              <a:t> is a linear space HPYP model with all concentration parameters set to zero. Linear growth is impractical for very long sequences.</a:t>
-            </a:r>
-          </a:p>
-          <a:p>
-            <a:endParaRPr lang="en-US" sz="3000" dirty="0" smtClean="0"/>
           </a:p>
         </p:txBody>
       </p:sp>
@@ -6022,7 +5721,7 @@
             </a:r>
             <a:r>
               <a:rPr lang="en-US" sz="2000" dirty="0" smtClean="0">
-                <a:hlinkClick r:id="rId21"/>
+                <a:hlinkClick r:id="rId17"/>
               </a:rPr>
               <a:t>http://download.wikimedia.org/enwiki/</a:t>
             </a:r>
@@ -6222,11 +5921,257 @@
           </a:p>
         </p:txBody>
       </p:sp>
+      <p:pic>
+        <p:nvPicPr>
+          <p:cNvPr id="60" name="Picture 59" descr="hpyp_equation.pdf"/>
+          <p:cNvPicPr>
+            <a:picLocks noChangeAspect="1"/>
+          </p:cNvPicPr>
+          <p:nvPr/>
+        </p:nvPicPr>
+        <mc:AlternateContent xmlns:ma="http://schemas.microsoft.com/office/mac/drawingml/2008/main">
+          <mc:Choice Requires="ma">
+            <p:blipFill>
+              <a:blip r:embed="rId18"/>
+              <a:stretch>
+                <a:fillRect/>
+              </a:stretch>
+            </p:blipFill>
+          </mc:Choice>
+          <mc:Fallback xmlns:ma="http://schemas.microsoft.com/office/mac/drawingml/2008/main" xmlns="" xmlns:a="http://schemas.openxmlformats.org/drawingml/2006/main" xmlns:r="http://schemas.openxmlformats.org/officeDocument/2006/relationships" xmlns:mc="http://schemas.openxmlformats.org/markup-compatibility/2006" xmlns:mv="urn:schemas-microsoft-com:mac:vml" xmlns:p="http://schemas.openxmlformats.org/presentationml/2006/main">
+            <p:blipFill>
+              <a:blip r:embed="rId19"/>
+              <a:stretch>
+                <a:fillRect/>
+              </a:stretch>
+            </p:blipFill>
+          </mc:Fallback>
+        </mc:AlternateContent>
+        <p:spPr>
+          <a:xfrm>
+            <a:off x="1066800" y="29199870"/>
+            <a:ext cx="8360461" cy="2804130"/>
+          </a:xfrm>
+          <a:prstGeom prst="rect">
+            <a:avLst/>
+          </a:prstGeom>
+        </p:spPr>
+      </p:pic>
+      <p:pic>
+        <p:nvPicPr>
+          <p:cNvPr id="61" name="Picture 60" descr="prefix_tree.pdf"/>
+          <p:cNvPicPr>
+            <a:picLocks noChangeAspect="1"/>
+          </p:cNvPicPr>
+          <p:nvPr/>
+        </p:nvPicPr>
+        <mc:AlternateContent xmlns:ma="http://schemas.microsoft.com/office/mac/drawingml/2008/main">
+          <mc:Choice Requires="ma">
+            <p:blipFill>
+              <a:blip r:embed="rId20"/>
+              <a:stretch>
+                <a:fillRect/>
+              </a:stretch>
+            </p:blipFill>
+          </mc:Choice>
+          <mc:Fallback xmlns:ma="http://schemas.microsoft.com/office/mac/drawingml/2008/main" xmlns="" xmlns:a="http://schemas.openxmlformats.org/drawingml/2006/main" xmlns:r="http://schemas.openxmlformats.org/officeDocument/2006/relationships" xmlns:mc="http://schemas.openxmlformats.org/markup-compatibility/2006" xmlns:mv="urn:schemas-microsoft-com:mac:vml" xmlns:p="http://schemas.openxmlformats.org/presentationml/2006/main">
+            <p:blipFill>
+              <a:blip r:embed="rId21"/>
+              <a:stretch>
+                <a:fillRect/>
+              </a:stretch>
+            </p:blipFill>
+          </mc:Fallback>
+        </mc:AlternateContent>
+        <p:spPr>
+          <a:xfrm>
+            <a:off x="11124184" y="27203400"/>
+            <a:ext cx="7012432" cy="4267200"/>
+          </a:xfrm>
+          <a:prstGeom prst="rect">
+            <a:avLst/>
+          </a:prstGeom>
+        </p:spPr>
+      </p:pic>
+      <p:sp>
+        <p:nvSpPr>
+          <p:cNvPr id="69" name="TextBox 68"/>
+          <p:cNvSpPr txBox="1"/>
+          <p:nvPr/>
+        </p:nvSpPr>
+        <p:spPr>
+          <a:xfrm>
+            <a:off x="152400" y="20453343"/>
+            <a:ext cx="18249898" cy="707886"/>
+          </a:xfrm>
+          <a:prstGeom prst="rect">
+            <a:avLst/>
+          </a:prstGeom>
+          <a:solidFill>
+            <a:schemeClr val="tx2"/>
+          </a:solidFill>
+          <a:ln>
+            <a:solidFill>
+              <a:schemeClr val="tx2"/>
+            </a:solidFill>
+          </a:ln>
+        </p:spPr>
+        <p:txBody>
+          <a:bodyPr wrap="square" rtlCol="0">
+            <a:spAutoFit/>
+          </a:bodyPr>
+          <a:lstStyle/>
+          <a:p>
+            <a:r>
+              <a:rPr lang="en-US" sz="4000" b="1" dirty="0" smtClean="0">
+                <a:solidFill>
+                  <a:srgbClr val="FFFF00"/>
+                </a:solidFill>
+              </a:rPr>
+              <a:t>Linear Time Verification</a:t>
+            </a:r>
+            <a:endParaRPr lang="en-US" sz="4000" b="1" dirty="0">
+              <a:solidFill>
+                <a:srgbClr val="FFFF00"/>
+              </a:solidFill>
+            </a:endParaRPr>
+          </a:p>
+        </p:txBody>
+      </p:sp>
+      <p:sp>
+        <p:nvSpPr>
+          <p:cNvPr id="71" name="TextBox 70"/>
+          <p:cNvSpPr txBox="1"/>
+          <p:nvPr/>
+        </p:nvSpPr>
+        <p:spPr>
+          <a:xfrm>
+            <a:off x="152400" y="21259800"/>
+            <a:ext cx="7239000" cy="4708981"/>
+          </a:xfrm>
+          <a:prstGeom prst="rect">
+            <a:avLst/>
+          </a:prstGeom>
+          <a:noFill/>
+        </p:spPr>
+        <p:txBody>
+          <a:bodyPr wrap="square" rtlCol="0">
+            <a:spAutoFit/>
+          </a:bodyPr>
+          <a:lstStyle/>
+          <a:p>
+            <a:r>
+              <a:rPr lang="en-US" sz="3000" dirty="0" smtClean="0"/>
+              <a:t>Streaming </a:t>
+            </a:r>
+            <a:r>
+              <a:rPr lang="en-US" sz="3000" dirty="0" err="1" smtClean="0"/>
+              <a:t>deplump</a:t>
+            </a:r>
+            <a:r>
+              <a:rPr lang="en-US" sz="3000" dirty="0" smtClean="0"/>
+              <a:t> </a:t>
+            </a:r>
+            <a:r>
+              <a:rPr lang="en-US" sz="3000" dirty="0" smtClean="0"/>
+              <a:t>has asymptotic properties appropriate for streaming data.  Shown here is the speed of the compressor on the entire </a:t>
+            </a:r>
+            <a:r>
+              <a:rPr lang="en-US" sz="3000" dirty="0" err="1" smtClean="0"/>
+              <a:t>Wikipedia</a:t>
+            </a:r>
+            <a:r>
+              <a:rPr lang="en-US" sz="3000" dirty="0" smtClean="0"/>
+              <a:t> corpus. The speed of the compressor is plotted with the size of the input stream.  After an initial period the speed remains constant as the stream length increases.  Streaming </a:t>
+            </a:r>
+            <a:r>
+              <a:rPr lang="en-US" sz="3000" dirty="0" err="1" smtClean="0"/>
+              <a:t>deplump</a:t>
+            </a:r>
+            <a:r>
+              <a:rPr lang="en-US" sz="3000" dirty="0" smtClean="0"/>
+              <a:t> </a:t>
+            </a:r>
+            <a:r>
+              <a:rPr lang="en-US" sz="3000" dirty="0" smtClean="0"/>
+              <a:t>compresses the 26.8Gb corpus to 4.0Gb, compared to 7.8Gb</a:t>
+            </a:r>
+            <a:r>
+              <a:rPr lang="en-US" sz="3000" dirty="0" smtClean="0"/>
+              <a:t> with </a:t>
+            </a:r>
+            <a:r>
+              <a:rPr lang="en-US" sz="3000" dirty="0" err="1" smtClean="0"/>
+              <a:t>gzip</a:t>
+            </a:r>
+            <a:r>
+              <a:rPr lang="en-US" sz="3000" dirty="0" smtClean="0"/>
+              <a:t> </a:t>
+            </a:r>
+            <a:r>
+              <a:rPr lang="en-US" sz="3000" dirty="0" smtClean="0"/>
+              <a:t>and 3.8Gb</a:t>
+            </a:r>
+            <a:r>
+              <a:rPr lang="en-US" sz="3000" dirty="0" smtClean="0"/>
+              <a:t> with paq9a</a:t>
+            </a:r>
+            <a:r>
+              <a:rPr lang="en-US" sz="3000" dirty="0" smtClean="0"/>
+              <a:t>.</a:t>
+            </a:r>
+            <a:endParaRPr lang="en-US" sz="3000" dirty="0"/>
+          </a:p>
+        </p:txBody>
+      </p:sp>
+      <p:pic>
+        <p:nvPicPr>
+          <p:cNvPr id="75" name="Picture 74" descr="constant_speed_asymptote_small.pdf"/>
+          <p:cNvPicPr>
+            <a:picLocks noChangeAspect="1"/>
+          </p:cNvPicPr>
+          <p:nvPr/>
+        </p:nvPicPr>
+        <mc:AlternateContent xmlns:ma="http://schemas.microsoft.com/office/mac/drawingml/2008/main">
+          <mc:Choice Requires="ma">
+            <p:blipFill>
+              <a:blip r:embed="rId22"/>
+              <a:stretch>
+                <a:fillRect/>
+              </a:stretch>
+            </p:blipFill>
+          </mc:Choice>
+          <mc:Fallback xmlns:ma="http://schemas.microsoft.com/office/mac/drawingml/2008/main" xmlns="" xmlns:a="http://schemas.openxmlformats.org/drawingml/2006/main" xmlns:r="http://schemas.openxmlformats.org/officeDocument/2006/relationships" xmlns:mc="http://schemas.openxmlformats.org/markup-compatibility/2006" xmlns:mv="urn:schemas-microsoft-com:mac:vml" xmlns:p="http://schemas.openxmlformats.org/presentationml/2006/main">
+            <p:blipFill>
+              <a:blip r:embed="rId23"/>
+              <a:stretch>
+                <a:fillRect/>
+              </a:stretch>
+            </p:blipFill>
+          </mc:Fallback>
+        </mc:AlternateContent>
+        <p:spPr>
+          <a:xfrm>
+            <a:off x="7599750" y="21259800"/>
+            <a:ext cx="10802548" cy="4648201"/>
+          </a:xfrm>
+          <a:prstGeom prst="rect">
+            <a:avLst/>
+          </a:prstGeom>
+        </p:spPr>
+      </p:pic>
     </p:spTree>
   </p:cSld>
   <p:clrMapOvr>
     <a:masterClrMapping/>
   </p:clrMapOvr>
+  <p:timing>
+    <p:tnLst>
+      <p:par>
+        <p:cTn id="1" dur="indefinite" restart="never" nodeType="tmRoot"/>
+      </p:par>
+    </p:tnLst>
+  </p:timing>
 </p:sld>
 </file>
 
